--- a/hrf/ied.pptx
+++ b/hrf/ied.pptx
@@ -5,7 +5,7 @@
     <p:sldMasterId id="2147483659" r:id="rId1"/>
   </p:sldMasterIdLst>
   <p:notesMasterIdLst>
-    <p:notesMasterId r:id="rId14"/>
+    <p:notesMasterId r:id="rId15"/>
   </p:notesMasterIdLst>
   <p:sldIdLst>
     <p:sldId id="256" r:id="rId2"/>
@@ -16,10 +16,11 @@
     <p:sldId id="264" r:id="rId7"/>
     <p:sldId id="265" r:id="rId8"/>
     <p:sldId id="266" r:id="rId9"/>
-    <p:sldId id="261" r:id="rId10"/>
-    <p:sldId id="262" r:id="rId11"/>
-    <p:sldId id="263" r:id="rId12"/>
-    <p:sldId id="267" r:id="rId13"/>
+    <p:sldId id="269" r:id="rId10"/>
+    <p:sldId id="261" r:id="rId11"/>
+    <p:sldId id="262" r:id="rId12"/>
+    <p:sldId id="263" r:id="rId13"/>
+    <p:sldId id="267" r:id="rId14"/>
   </p:sldIdLst>
   <p:sldSz cx="9144000" cy="5143500" type="screen16x9"/>
   <p:notesSz cx="6858000" cy="9144000"/>
@@ -274,7 +275,7 @@
 <file path=ppt/revisionInfo.xml><?xml version="1.0" encoding="utf-8"?>
 <p1510:revInfo xmlns:a="http://schemas.openxmlformats.org/drawingml/2006/main" xmlns:r="http://schemas.openxmlformats.org/officeDocument/2006/relationships" xmlns:p1510="http://schemas.microsoft.com/office/powerpoint/2015/10/main">
   <p1510:revLst>
-    <p1510:client id="{371DFF09-6B67-574B-9993-720B096EDCC4}" v="28" dt="2022-02-10T23:51:28.638"/>
+    <p1510:client id="{371DFF09-6B67-574B-9993-720B096EDCC4}" v="33" dt="2022-02-11T00:08:49.079"/>
   </p1510:revLst>
 </p1510:revInfo>
 </file>
@@ -284,7 +285,7 @@
   <pc:docChgLst>
     <pc:chgData name="Li, Manling" userId="2767345e-189a-4ebc-9754-b5da929c843d" providerId="ADAL" clId="{371DFF09-6B67-574B-9993-720B096EDCC4}"/>
     <pc:docChg chg="undo custSel addSld delSld modSld sldOrd">
-      <pc:chgData name="Li, Manling" userId="2767345e-189a-4ebc-9754-b5da929c843d" providerId="ADAL" clId="{371DFF09-6B67-574B-9993-720B096EDCC4}" dt="2022-02-10T23:52:26.672" v="354" actId="20578"/>
+      <pc:chgData name="Li, Manling" userId="2767345e-189a-4ebc-9754-b5da929c843d" providerId="ADAL" clId="{371DFF09-6B67-574B-9993-720B096EDCC4}" dt="2022-02-11T00:09:02.462" v="483" actId="14734"/>
       <pc:docMkLst>
         <pc:docMk/>
       </pc:docMkLst>
@@ -557,12 +558,20 @@
           </ac:picMkLst>
         </pc:picChg>
       </pc:sldChg>
-      <pc:sldChg chg="add">
-        <pc:chgData name="Li, Manling" userId="2767345e-189a-4ebc-9754-b5da929c843d" providerId="ADAL" clId="{371DFF09-6B67-574B-9993-720B096EDCC4}" dt="2022-02-10T23:51:28.629" v="349"/>
+      <pc:sldChg chg="modSp add mod">
+        <pc:chgData name="Li, Manling" userId="2767345e-189a-4ebc-9754-b5da929c843d" providerId="ADAL" clId="{371DFF09-6B67-574B-9993-720B096EDCC4}" dt="2022-02-11T00:09:02.462" v="483" actId="14734"/>
         <pc:sldMkLst>
           <pc:docMk/>
           <pc:sldMk cId="281631400" sldId="258"/>
         </pc:sldMkLst>
+        <pc:graphicFrameChg chg="mod modGraphic">
+          <ac:chgData name="Li, Manling" userId="2767345e-189a-4ebc-9754-b5da929c843d" providerId="ADAL" clId="{371DFF09-6B67-574B-9993-720B096EDCC4}" dt="2022-02-11T00:09:02.462" v="483" actId="14734"/>
+          <ac:graphicFrameMkLst>
+            <pc:docMk/>
+            <pc:sldMk cId="281631400" sldId="258"/>
+            <ac:graphicFrameMk id="84" creationId="{00000000-0000-0000-0000-000000000000}"/>
+          </ac:graphicFrameMkLst>
+        </pc:graphicFrameChg>
       </pc:sldChg>
       <pc:sldChg chg="add del">
         <pc:chgData name="Li, Manling" userId="2767345e-189a-4ebc-9754-b5da929c843d" providerId="ADAL" clId="{371DFF09-6B67-574B-9993-720B096EDCC4}" dt="2022-02-10T23:50:53.282" v="342"/>
@@ -659,12 +668,20 @@
           <pc:sldMk cId="0" sldId="260"/>
         </pc:sldMkLst>
       </pc:sldChg>
-      <pc:sldChg chg="delSp mod ord">
-        <pc:chgData name="Li, Manling" userId="2767345e-189a-4ebc-9754-b5da929c843d" providerId="ADAL" clId="{371DFF09-6B67-574B-9993-720B096EDCC4}" dt="2022-02-10T23:52:09.014" v="351" actId="478"/>
+      <pc:sldChg chg="addSp delSp modSp mod ord">
+        <pc:chgData name="Li, Manling" userId="2767345e-189a-4ebc-9754-b5da929c843d" providerId="ADAL" clId="{371DFF09-6B67-574B-9993-720B096EDCC4}" dt="2022-02-11T00:07:43.820" v="475" actId="166"/>
         <pc:sldMkLst>
           <pc:docMk/>
           <pc:sldMk cId="1993398976" sldId="261"/>
         </pc:sldMkLst>
+        <pc:spChg chg="mod">
+          <ac:chgData name="Li, Manling" userId="2767345e-189a-4ebc-9754-b5da929c843d" providerId="ADAL" clId="{371DFF09-6B67-574B-9993-720B096EDCC4}" dt="2022-02-11T00:07:25.703" v="471" actId="14100"/>
+          <ac:spMkLst>
+            <pc:docMk/>
+            <pc:sldMk cId="1993398976" sldId="261"/>
+            <ac:spMk id="2" creationId="{26684D29-AC3A-F349-9536-A20F9F6FC579}"/>
+          </ac:spMkLst>
+        </pc:spChg>
         <pc:spChg chg="del">
           <ac:chgData name="Li, Manling" userId="2767345e-189a-4ebc-9754-b5da929c843d" providerId="ADAL" clId="{371DFF09-6B67-574B-9993-720B096EDCC4}" dt="2022-02-10T23:52:09.014" v="351" actId="478"/>
           <ac:spMkLst>
@@ -673,20 +690,68 @@
             <ac:spMk id="3" creationId="{49FDE2F2-CADD-E443-A3F4-D117B3695FFE}"/>
           </ac:spMkLst>
         </pc:spChg>
+        <pc:graphicFrameChg chg="mod modGraphic">
+          <ac:chgData name="Li, Manling" userId="2767345e-189a-4ebc-9754-b5da929c843d" providerId="ADAL" clId="{371DFF09-6B67-574B-9993-720B096EDCC4}" dt="2022-02-11T00:07:43.820" v="475" actId="166"/>
+          <ac:graphicFrameMkLst>
+            <pc:docMk/>
+            <pc:sldMk cId="1993398976" sldId="261"/>
+            <ac:graphicFrameMk id="6" creationId="{3B1B5177-DCC1-9B4A-BFCF-0A9691780C16}"/>
+          </ac:graphicFrameMkLst>
+        </pc:graphicFrameChg>
+        <pc:picChg chg="del">
+          <ac:chgData name="Li, Manling" userId="2767345e-189a-4ebc-9754-b5da929c843d" providerId="ADAL" clId="{371DFF09-6B67-574B-9993-720B096EDCC4}" dt="2022-02-11T00:06:28.591" v="455" actId="478"/>
+          <ac:picMkLst>
+            <pc:docMk/>
+            <pc:sldMk cId="1993398976" sldId="261"/>
+            <ac:picMk id="5" creationId="{98C9ED1A-3505-314F-A247-C9C3185BF8E8}"/>
+          </ac:picMkLst>
+        </pc:picChg>
+        <pc:picChg chg="add mod">
+          <ac:chgData name="Li, Manling" userId="2767345e-189a-4ebc-9754-b5da929c843d" providerId="ADAL" clId="{371DFF09-6B67-574B-9993-720B096EDCC4}" dt="2022-02-11T00:07:14.840" v="469" actId="1076"/>
+          <ac:picMkLst>
+            <pc:docMk/>
+            <pc:sldMk cId="1993398976" sldId="261"/>
+            <ac:picMk id="7" creationId="{833E2B37-B67F-FD41-9365-C829646EA1E0}"/>
+          </ac:picMkLst>
+        </pc:picChg>
       </pc:sldChg>
-      <pc:sldChg chg="ord">
-        <pc:chgData name="Li, Manling" userId="2767345e-189a-4ebc-9754-b5da929c843d" providerId="ADAL" clId="{371DFF09-6B67-574B-9993-720B096EDCC4}" dt="2022-02-10T23:51:38.417" v="350" actId="20578"/>
+      <pc:sldChg chg="modSp mod ord">
+        <pc:chgData name="Li, Manling" userId="2767345e-189a-4ebc-9754-b5da929c843d" providerId="ADAL" clId="{371DFF09-6B67-574B-9993-720B096EDCC4}" dt="2022-02-11T00:07:53.835" v="476" actId="14100"/>
         <pc:sldMkLst>
           <pc:docMk/>
           <pc:sldMk cId="3205497820" sldId="262"/>
         </pc:sldMkLst>
+        <pc:spChg chg="mod">
+          <ac:chgData name="Li, Manling" userId="2767345e-189a-4ebc-9754-b5da929c843d" providerId="ADAL" clId="{371DFF09-6B67-574B-9993-720B096EDCC4}" dt="2022-02-11T00:05:13.750" v="449" actId="20577"/>
+          <ac:spMkLst>
+            <pc:docMk/>
+            <pc:sldMk cId="3205497820" sldId="262"/>
+            <ac:spMk id="2" creationId="{26684D29-AC3A-F349-9536-A20F9F6FC579}"/>
+          </ac:spMkLst>
+        </pc:spChg>
+        <pc:picChg chg="mod">
+          <ac:chgData name="Li, Manling" userId="2767345e-189a-4ebc-9754-b5da929c843d" providerId="ADAL" clId="{371DFF09-6B67-574B-9993-720B096EDCC4}" dt="2022-02-11T00:07:53.835" v="476" actId="14100"/>
+          <ac:picMkLst>
+            <pc:docMk/>
+            <pc:sldMk cId="3205497820" sldId="262"/>
+            <ac:picMk id="6" creationId="{A867987A-D770-0743-8F77-88C1C0D291E9}"/>
+          </ac:picMkLst>
+        </pc:picChg>
       </pc:sldChg>
-      <pc:sldChg chg="delSp mod ord">
-        <pc:chgData name="Li, Manling" userId="2767345e-189a-4ebc-9754-b5da929c843d" providerId="ADAL" clId="{371DFF09-6B67-574B-9993-720B096EDCC4}" dt="2022-02-10T23:52:13.190" v="352" actId="478"/>
+      <pc:sldChg chg="delSp modSp mod ord">
+        <pc:chgData name="Li, Manling" userId="2767345e-189a-4ebc-9754-b5da929c843d" providerId="ADAL" clId="{371DFF09-6B67-574B-9993-720B096EDCC4}" dt="2022-02-11T00:04:54.355" v="434" actId="20577"/>
         <pc:sldMkLst>
           <pc:docMk/>
           <pc:sldMk cId="1525354625" sldId="263"/>
         </pc:sldMkLst>
+        <pc:spChg chg="mod">
+          <ac:chgData name="Li, Manling" userId="2767345e-189a-4ebc-9754-b5da929c843d" providerId="ADAL" clId="{371DFF09-6B67-574B-9993-720B096EDCC4}" dt="2022-02-11T00:04:54.355" v="434" actId="20577"/>
+          <ac:spMkLst>
+            <pc:docMk/>
+            <pc:sldMk cId="1525354625" sldId="263"/>
+            <ac:spMk id="2" creationId="{26684D29-AC3A-F349-9536-A20F9F6FC579}"/>
+          </ac:spMkLst>
+        </pc:spChg>
         <pc:spChg chg="del">
           <ac:chgData name="Li, Manling" userId="2767345e-189a-4ebc-9754-b5da929c843d" providerId="ADAL" clId="{371DFF09-6B67-574B-9993-720B096EDCC4}" dt="2022-02-10T23:52:13.190" v="352" actId="478"/>
           <ac:spMkLst>
@@ -875,6 +940,29 @@
             <pc:docMk/>
             <pc:sldMk cId="1467783456" sldId="268"/>
             <ac:picMk id="5" creationId="{59E4E2F3-88A2-304C-B449-759C0BACC22D}"/>
+          </ac:picMkLst>
+        </pc:picChg>
+      </pc:sldChg>
+      <pc:sldChg chg="addSp modSp new mod">
+        <pc:chgData name="Li, Manling" userId="2767345e-189a-4ebc-9754-b5da929c843d" providerId="ADAL" clId="{371DFF09-6B67-574B-9993-720B096EDCC4}" dt="2022-02-11T00:04:14.184" v="419" actId="1076"/>
+        <pc:sldMkLst>
+          <pc:docMk/>
+          <pc:sldMk cId="460133130" sldId="269"/>
+        </pc:sldMkLst>
+        <pc:spChg chg="mod">
+          <ac:chgData name="Li, Manling" userId="2767345e-189a-4ebc-9754-b5da929c843d" providerId="ADAL" clId="{371DFF09-6B67-574B-9993-720B096EDCC4}" dt="2022-02-10T23:59:55.910" v="377" actId="20577"/>
+          <ac:spMkLst>
+            <pc:docMk/>
+            <pc:sldMk cId="460133130" sldId="269"/>
+            <ac:spMk id="2" creationId="{F3FA0077-A45A-0648-B83E-1D92FD292819}"/>
+          </ac:spMkLst>
+        </pc:spChg>
+        <pc:picChg chg="add mod">
+          <ac:chgData name="Li, Manling" userId="2767345e-189a-4ebc-9754-b5da929c843d" providerId="ADAL" clId="{371DFF09-6B67-574B-9993-720B096EDCC4}" dt="2022-02-11T00:04:14.184" v="419" actId="1076"/>
+          <ac:picMkLst>
+            <pc:docMk/>
+            <pc:sldMk cId="460133130" sldId="269"/>
+            <ac:picMk id="5" creationId="{760A0464-CE22-7E4E-8733-1FD4DA65574F}"/>
           </ac:picMkLst>
         </pc:picChg>
       </pc:sldChg>
@@ -6644,6 +6732,1513 @@
             <p:ph type="title"/>
           </p:nvPr>
         </p:nvSpPr>
+        <p:spPr>
+          <a:xfrm>
+            <a:off x="311700" y="445025"/>
+            <a:ext cx="4007207" cy="572700"/>
+          </a:xfrm>
+        </p:spPr>
+        <p:txBody>
+          <a:bodyPr>
+            <a:normAutofit fontScale="90000"/>
+          </a:bodyPr>
+          <a:lstStyle/>
+          <a:p>
+            <a:r>
+              <a:rPr lang="en-US" dirty="0"/>
+              <a:t>Car IED: Contributing Factors &amp; Planning</a:t>
+            </a:r>
+          </a:p>
+        </p:txBody>
+      </p:sp>
+      <p:pic>
+        <p:nvPicPr>
+          <p:cNvPr id="7" name="Picture 6" descr="Diagram&#10;&#10;Description automatically generated">
+            <a:extLst>
+              <a:ext uri="{FF2B5EF4-FFF2-40B4-BE49-F238E27FC236}">
+                <a16:creationId xmlns:a16="http://schemas.microsoft.com/office/drawing/2014/main" id="{833E2B37-B67F-FD41-9365-C829646EA1E0}"/>
+              </a:ext>
+            </a:extLst>
+          </p:cNvPr>
+          <p:cNvPicPr>
+            <a:picLocks noChangeAspect="1"/>
+          </p:cNvPicPr>
+          <p:nvPr/>
+        </p:nvPicPr>
+        <p:blipFill>
+          <a:blip r:embed="rId2"/>
+          <a:stretch>
+            <a:fillRect/>
+          </a:stretch>
+        </p:blipFill>
+        <p:spPr>
+          <a:xfrm>
+            <a:off x="96899" y="1691761"/>
+            <a:ext cx="6509826" cy="3386425"/>
+          </a:xfrm>
+          <a:prstGeom prst="rect">
+            <a:avLst/>
+          </a:prstGeom>
+        </p:spPr>
+      </p:pic>
+      <p:graphicFrame>
+        <p:nvGraphicFramePr>
+          <p:cNvPr id="6" name="Table 5">
+            <a:extLst>
+              <a:ext uri="{FF2B5EF4-FFF2-40B4-BE49-F238E27FC236}">
+                <a16:creationId xmlns:a16="http://schemas.microsoft.com/office/drawing/2014/main" id="{3B1B5177-DCC1-9B4A-BFCF-0A9691780C16}"/>
+              </a:ext>
+            </a:extLst>
+          </p:cNvPr>
+          <p:cNvGraphicFramePr>
+            <a:graphicFrameLocks noGrp="1"/>
+          </p:cNvGraphicFramePr>
+          <p:nvPr>
+            <p:extLst>
+              <p:ext uri="{D42A27DB-BD31-4B8C-83A1-F6EECF244321}">
+                <p14:modId xmlns:p14="http://schemas.microsoft.com/office/powerpoint/2010/main" val="1997946448"/>
+              </p:ext>
+            </p:extLst>
+          </p:nvPr>
+        </p:nvGraphicFramePr>
+        <p:xfrm>
+          <a:off x="4318907" y="293649"/>
+          <a:ext cx="4728194" cy="2265926"/>
+        </p:xfrm>
+        <a:graphic>
+          <a:graphicData uri="http://schemas.openxmlformats.org/drawingml/2006/table">
+            <a:tbl>
+              <a:tblPr/>
+              <a:tblGrid>
+                <a:gridCol w="1872840">
+                  <a:extLst>
+                    <a:ext uri="{9D8B030D-6E8A-4147-A177-3AD203B41FA5}">
+                      <a16:colId xmlns:a16="http://schemas.microsoft.com/office/drawing/2014/main" val="231515486"/>
+                    </a:ext>
+                  </a:extLst>
+                </a:gridCol>
+                <a:gridCol w="818107">
+                  <a:extLst>
+                    <a:ext uri="{9D8B030D-6E8A-4147-A177-3AD203B41FA5}">
+                      <a16:colId xmlns:a16="http://schemas.microsoft.com/office/drawing/2014/main" val="1031084978"/>
+                    </a:ext>
+                  </a:extLst>
+                </a:gridCol>
+                <a:gridCol w="2037247">
+                  <a:extLst>
+                    <a:ext uri="{9D8B030D-6E8A-4147-A177-3AD203B41FA5}">
+                      <a16:colId xmlns:a16="http://schemas.microsoft.com/office/drawing/2014/main" val="3851067211"/>
+                    </a:ext>
+                  </a:extLst>
+                </a:gridCol>
+              </a:tblGrid>
+              <a:tr h="279500">
+                <a:tc>
+                  <a:txBody>
+                    <a:bodyPr/>
+                    <a:lstStyle/>
+                    <a:p>
+                      <a:pPr algn="l"/>
+                      <a:r>
+                        <a:rPr lang="en-US" sz="1100" b="1" dirty="0">
+                          <a:solidFill>
+                            <a:srgbClr val="000000"/>
+                          </a:solidFill>
+                          <a:effectLst/>
+                          <a:latin typeface="+mn-lt"/>
+                        </a:rPr>
+                        <a:t>Demonstration </a:t>
+                      </a:r>
+                      <a:endParaRPr lang="en-US" sz="1100" b="1" dirty="0">
+                        <a:effectLst/>
+                        <a:latin typeface="+mn-lt"/>
+                      </a:endParaRPr>
+                    </a:p>
+                  </a:txBody>
+                  <a:tcPr marL="6485" marR="6485" marT="6485" marB="6485" anchor="ctr">
+                    <a:lnL w="9525" cap="flat" cmpd="sng" algn="ctr">
+                      <a:solidFill>
+                        <a:srgbClr val="000000"/>
+                      </a:solidFill>
+                      <a:prstDash val="solid"/>
+                      <a:round/>
+                      <a:headEnd type="none" w="med" len="med"/>
+                      <a:tailEnd type="none" w="med" len="med"/>
+                    </a:lnL>
+                    <a:lnR w="9525" cap="flat" cmpd="sng" algn="ctr">
+                      <a:solidFill>
+                        <a:srgbClr val="000000"/>
+                      </a:solidFill>
+                      <a:prstDash val="solid"/>
+                      <a:round/>
+                      <a:headEnd type="none" w="med" len="med"/>
+                      <a:tailEnd type="none" w="med" len="med"/>
+                    </a:lnR>
+                    <a:lnT w="9525" cap="flat" cmpd="sng" algn="ctr">
+                      <a:solidFill>
+                        <a:srgbClr val="000000"/>
+                      </a:solidFill>
+                      <a:prstDash val="solid"/>
+                      <a:round/>
+                      <a:headEnd type="none" w="med" len="med"/>
+                      <a:tailEnd type="none" w="med" len="med"/>
+                    </a:lnT>
+                    <a:lnB w="9525" cap="flat" cmpd="sng" algn="ctr">
+                      <a:solidFill>
+                        <a:srgbClr val="000000"/>
+                      </a:solidFill>
+                      <a:prstDash val="solid"/>
+                      <a:round/>
+                      <a:headEnd type="none" w="med" len="med"/>
+                      <a:tailEnd type="none" w="med" len="med"/>
+                    </a:lnB>
+                    <a:solidFill>
+                      <a:schemeClr val="bg1"/>
+                    </a:solidFill>
+                  </a:tcPr>
+                </a:tc>
+                <a:tc>
+                  <a:txBody>
+                    <a:bodyPr/>
+                    <a:lstStyle/>
+                    <a:p>
+                      <a:pPr algn="l"/>
+                      <a:r>
+                        <a:rPr lang="en-US" sz="1100" dirty="0">
+                          <a:solidFill>
+                            <a:srgbClr val="000000"/>
+                          </a:solidFill>
+                          <a:effectLst/>
+                          <a:latin typeface="+mn-lt"/>
+                        </a:rPr>
+                        <a:t>Q175331</a:t>
+                      </a:r>
+                      <a:endParaRPr lang="en-US" sz="1100" dirty="0">
+                        <a:effectLst/>
+                        <a:latin typeface="+mn-lt"/>
+                      </a:endParaRPr>
+                    </a:p>
+                  </a:txBody>
+                  <a:tcPr marL="6485" marR="6485" marT="6485" marB="6485" anchor="ctr">
+                    <a:lnL w="9525" cap="flat" cmpd="sng" algn="ctr">
+                      <a:solidFill>
+                        <a:srgbClr val="000000"/>
+                      </a:solidFill>
+                      <a:prstDash val="solid"/>
+                      <a:round/>
+                      <a:headEnd type="none" w="med" len="med"/>
+                      <a:tailEnd type="none" w="med" len="med"/>
+                    </a:lnL>
+                    <a:lnR w="9525" cap="flat" cmpd="sng" algn="ctr">
+                      <a:solidFill>
+                        <a:srgbClr val="000000"/>
+                      </a:solidFill>
+                      <a:prstDash val="solid"/>
+                      <a:round/>
+                      <a:headEnd type="none" w="med" len="med"/>
+                      <a:tailEnd type="none" w="med" len="med"/>
+                    </a:lnR>
+                    <a:lnT w="9525" cap="flat" cmpd="sng" algn="ctr">
+                      <a:solidFill>
+                        <a:srgbClr val="000000"/>
+                      </a:solidFill>
+                      <a:prstDash val="solid"/>
+                      <a:round/>
+                      <a:headEnd type="none" w="med" len="med"/>
+                      <a:tailEnd type="none" w="med" len="med"/>
+                    </a:lnT>
+                    <a:lnB w="9525" cap="flat" cmpd="sng" algn="ctr">
+                      <a:solidFill>
+                        <a:srgbClr val="000000"/>
+                      </a:solidFill>
+                      <a:prstDash val="solid"/>
+                      <a:round/>
+                      <a:headEnd type="none" w="med" len="med"/>
+                      <a:tailEnd type="none" w="med" len="med"/>
+                    </a:lnB>
+                    <a:solidFill>
+                      <a:schemeClr val="bg1"/>
+                    </a:solidFill>
+                  </a:tcPr>
+                </a:tc>
+                <a:tc>
+                  <a:txBody>
+                    <a:bodyPr/>
+                    <a:lstStyle/>
+                    <a:p>
+                      <a:pPr algn="l"/>
+                      <a:r>
+                        <a:rPr lang="en-US" sz="1100" dirty="0">
+                          <a:solidFill>
+                            <a:srgbClr val="000000"/>
+                          </a:solidFill>
+                          <a:effectLst/>
+                          <a:latin typeface="+mn-lt"/>
+                        </a:rPr>
+                        <a:t> demonstration that triggered the bomb</a:t>
+                      </a:r>
+                      <a:endParaRPr lang="en-US" sz="1100" dirty="0">
+                        <a:effectLst/>
+                        <a:latin typeface="+mn-lt"/>
+                      </a:endParaRPr>
+                    </a:p>
+                  </a:txBody>
+                  <a:tcPr marL="6485" marR="6485" marT="6485" marB="6485" anchor="ctr">
+                    <a:lnL w="9525" cap="flat" cmpd="sng" algn="ctr">
+                      <a:solidFill>
+                        <a:srgbClr val="000000"/>
+                      </a:solidFill>
+                      <a:prstDash val="solid"/>
+                      <a:round/>
+                      <a:headEnd type="none" w="med" len="med"/>
+                      <a:tailEnd type="none" w="med" len="med"/>
+                    </a:lnL>
+                    <a:lnR w="9525" cap="flat" cmpd="sng" algn="ctr">
+                      <a:solidFill>
+                        <a:srgbClr val="000000"/>
+                      </a:solidFill>
+                      <a:prstDash val="solid"/>
+                      <a:round/>
+                      <a:headEnd type="none" w="med" len="med"/>
+                      <a:tailEnd type="none" w="med" len="med"/>
+                    </a:lnR>
+                    <a:lnT w="9525" cap="flat" cmpd="sng" algn="ctr">
+                      <a:solidFill>
+                        <a:srgbClr val="000000"/>
+                      </a:solidFill>
+                      <a:prstDash val="solid"/>
+                      <a:round/>
+                      <a:headEnd type="none" w="med" len="med"/>
+                      <a:tailEnd type="none" w="med" len="med"/>
+                    </a:lnT>
+                    <a:lnB w="9525" cap="flat" cmpd="sng" algn="ctr">
+                      <a:solidFill>
+                        <a:srgbClr val="000000"/>
+                      </a:solidFill>
+                      <a:prstDash val="solid"/>
+                      <a:round/>
+                      <a:headEnd type="none" w="med" len="med"/>
+                      <a:tailEnd type="none" w="med" len="med"/>
+                    </a:lnB>
+                    <a:solidFill>
+                      <a:schemeClr val="bg1"/>
+                    </a:solidFill>
+                  </a:tcPr>
+                </a:tc>
+                <a:extLst>
+                  <a:ext uri="{0D108BD9-81ED-4DB2-BD59-A6C34878D82A}">
+                    <a16:rowId xmlns:a16="http://schemas.microsoft.com/office/drawing/2014/main" val="3678494587"/>
+                  </a:ext>
+                </a:extLst>
+              </a:tr>
+              <a:tr h="279500">
+                <a:tc>
+                  <a:txBody>
+                    <a:bodyPr/>
+                    <a:lstStyle/>
+                    <a:p>
+                      <a:r>
+                        <a:rPr lang="en-US" sz="1100" b="1" dirty="0">
+                          <a:solidFill>
+                            <a:srgbClr val="000000"/>
+                          </a:solidFill>
+                          <a:effectLst/>
+                          <a:latin typeface="Helvetica Neue" panose="02000503000000020004" pitchFamily="2" charset="0"/>
+                        </a:rPr>
+                        <a:t>Learn bomb manufacturing </a:t>
+                      </a:r>
+                      <a:endParaRPr lang="en-US" sz="1100" b="1" dirty="0">
+                        <a:effectLst/>
+                      </a:endParaRPr>
+                    </a:p>
+                  </a:txBody>
+                  <a:tcPr marL="8189" marR="8189" marT="8189" marB="8189">
+                    <a:lnL w="9525" cap="flat" cmpd="sng" algn="ctr">
+                      <a:solidFill>
+                        <a:srgbClr val="000000"/>
+                      </a:solidFill>
+                      <a:prstDash val="solid"/>
+                      <a:round/>
+                      <a:headEnd type="none" w="med" len="med"/>
+                      <a:tailEnd type="none" w="med" len="med"/>
+                    </a:lnL>
+                    <a:lnR w="9525" cap="flat" cmpd="sng" algn="ctr">
+                      <a:solidFill>
+                        <a:srgbClr val="000000"/>
+                      </a:solidFill>
+                      <a:prstDash val="solid"/>
+                      <a:round/>
+                      <a:headEnd type="none" w="med" len="med"/>
+                      <a:tailEnd type="none" w="med" len="med"/>
+                    </a:lnR>
+                    <a:lnT w="9525" cap="flat" cmpd="sng" algn="ctr">
+                      <a:solidFill>
+                        <a:srgbClr val="000000"/>
+                      </a:solidFill>
+                      <a:prstDash val="solid"/>
+                      <a:round/>
+                      <a:headEnd type="none" w="med" len="med"/>
+                      <a:tailEnd type="none" w="med" len="med"/>
+                    </a:lnT>
+                    <a:lnB w="9525" cap="flat" cmpd="sng" algn="ctr">
+                      <a:solidFill>
+                        <a:srgbClr val="000000"/>
+                      </a:solidFill>
+                      <a:prstDash val="solid"/>
+                      <a:round/>
+                      <a:headEnd type="none" w="med" len="med"/>
+                      <a:tailEnd type="none" w="med" len="med"/>
+                    </a:lnB>
+                    <a:solidFill>
+                      <a:schemeClr val="bg1"/>
+                    </a:solidFill>
+                  </a:tcPr>
+                </a:tc>
+                <a:tc>
+                  <a:txBody>
+                    <a:bodyPr/>
+                    <a:lstStyle/>
+                    <a:p>
+                      <a:r>
+                        <a:rPr lang="en-US" sz="1100">
+                          <a:solidFill>
+                            <a:srgbClr val="000000"/>
+                          </a:solidFill>
+                          <a:effectLst/>
+                          <a:latin typeface="Helvetica Neue" panose="02000503000000020004" pitchFamily="2" charset="0"/>
+                        </a:rPr>
+                        <a:t>Q8434</a:t>
+                      </a:r>
+                      <a:endParaRPr lang="en-US" sz="1100">
+                        <a:effectLst/>
+                      </a:endParaRPr>
+                    </a:p>
+                  </a:txBody>
+                  <a:tcPr marL="8189" marR="8189" marT="8189" marB="8189">
+                    <a:lnL w="9525" cap="flat" cmpd="sng" algn="ctr">
+                      <a:solidFill>
+                        <a:srgbClr val="000000"/>
+                      </a:solidFill>
+                      <a:prstDash val="solid"/>
+                      <a:round/>
+                      <a:headEnd type="none" w="med" len="med"/>
+                      <a:tailEnd type="none" w="med" len="med"/>
+                    </a:lnL>
+                    <a:lnR w="9525" cap="flat" cmpd="sng" algn="ctr">
+                      <a:solidFill>
+                        <a:srgbClr val="000000"/>
+                      </a:solidFill>
+                      <a:prstDash val="solid"/>
+                      <a:round/>
+                      <a:headEnd type="none" w="med" len="med"/>
+                      <a:tailEnd type="none" w="med" len="med"/>
+                    </a:lnR>
+                    <a:lnT w="9525" cap="flat" cmpd="sng" algn="ctr">
+                      <a:solidFill>
+                        <a:srgbClr val="000000"/>
+                      </a:solidFill>
+                      <a:prstDash val="solid"/>
+                      <a:round/>
+                      <a:headEnd type="none" w="med" len="med"/>
+                      <a:tailEnd type="none" w="med" len="med"/>
+                    </a:lnT>
+                    <a:lnB w="9525" cap="flat" cmpd="sng" algn="ctr">
+                      <a:solidFill>
+                        <a:srgbClr val="000000"/>
+                      </a:solidFill>
+                      <a:prstDash val="solid"/>
+                      <a:round/>
+                      <a:headEnd type="none" w="med" len="med"/>
+                      <a:tailEnd type="none" w="med" len="med"/>
+                    </a:lnB>
+                    <a:solidFill>
+                      <a:schemeClr val="bg1"/>
+                    </a:solidFill>
+                  </a:tcPr>
+                </a:tc>
+                <a:tc>
+                  <a:txBody>
+                    <a:bodyPr/>
+                    <a:lstStyle/>
+                    <a:p>
+                      <a:r>
+                        <a:rPr lang="en-US" sz="1100" dirty="0">
+                          <a:solidFill>
+                            <a:srgbClr val="000000"/>
+                          </a:solidFill>
+                          <a:effectLst/>
+                          <a:latin typeface="Helvetica Neue" panose="02000503000000020004" pitchFamily="2" charset="0"/>
+                        </a:rPr>
+                        <a:t> learn about bomb making</a:t>
+                      </a:r>
+                      <a:endParaRPr lang="en-US" sz="1100" dirty="0">
+                        <a:effectLst/>
+                      </a:endParaRPr>
+                    </a:p>
+                  </a:txBody>
+                  <a:tcPr marL="8189" marR="8189" marT="8189" marB="8189">
+                    <a:lnL w="9525" cap="flat" cmpd="sng" algn="ctr">
+                      <a:solidFill>
+                        <a:srgbClr val="000000"/>
+                      </a:solidFill>
+                      <a:prstDash val="solid"/>
+                      <a:round/>
+                      <a:headEnd type="none" w="med" len="med"/>
+                      <a:tailEnd type="none" w="med" len="med"/>
+                    </a:lnL>
+                    <a:lnR w="9525" cap="flat" cmpd="sng" algn="ctr">
+                      <a:solidFill>
+                        <a:srgbClr val="000000"/>
+                      </a:solidFill>
+                      <a:prstDash val="solid"/>
+                      <a:round/>
+                      <a:headEnd type="none" w="med" len="med"/>
+                      <a:tailEnd type="none" w="med" len="med"/>
+                    </a:lnR>
+                    <a:lnT w="9525" cap="flat" cmpd="sng" algn="ctr">
+                      <a:solidFill>
+                        <a:srgbClr val="000000"/>
+                      </a:solidFill>
+                      <a:prstDash val="solid"/>
+                      <a:round/>
+                      <a:headEnd type="none" w="med" len="med"/>
+                      <a:tailEnd type="none" w="med" len="med"/>
+                    </a:lnT>
+                    <a:lnB w="9525" cap="flat" cmpd="sng" algn="ctr">
+                      <a:solidFill>
+                        <a:srgbClr val="000000"/>
+                      </a:solidFill>
+                      <a:prstDash val="solid"/>
+                      <a:round/>
+                      <a:headEnd type="none" w="med" len="med"/>
+                      <a:tailEnd type="none" w="med" len="med"/>
+                    </a:lnB>
+                    <a:solidFill>
+                      <a:schemeClr val="bg1"/>
+                    </a:solidFill>
+                  </a:tcPr>
+                </a:tc>
+                <a:extLst>
+                  <a:ext uri="{0D108BD9-81ED-4DB2-BD59-A6C34878D82A}">
+                    <a16:rowId xmlns:a16="http://schemas.microsoft.com/office/drawing/2014/main" val="2956688501"/>
+                  </a:ext>
+                </a:extLst>
+              </a:tr>
+              <a:tr h="231544">
+                <a:tc>
+                  <a:txBody>
+                    <a:bodyPr/>
+                    <a:lstStyle/>
+                    <a:p>
+                      <a:r>
+                        <a:rPr lang="en-US" sz="1100" b="1" dirty="0">
+                          <a:solidFill>
+                            <a:srgbClr val="000000"/>
+                          </a:solidFill>
+                          <a:effectLst/>
+                          <a:latin typeface="Helvetica Neue" panose="02000503000000020004" pitchFamily="2" charset="0"/>
+                        </a:rPr>
+                        <a:t>Get explosives </a:t>
+                      </a:r>
+                      <a:endParaRPr lang="en-US" sz="1100" b="1" dirty="0">
+                        <a:effectLst/>
+                      </a:endParaRPr>
+                    </a:p>
+                  </a:txBody>
+                  <a:tcPr marL="8189" marR="8189" marT="8189" marB="8189">
+                    <a:lnL w="9525" cap="flat" cmpd="sng" algn="ctr">
+                      <a:solidFill>
+                        <a:srgbClr val="000000"/>
+                      </a:solidFill>
+                      <a:prstDash val="solid"/>
+                      <a:round/>
+                      <a:headEnd type="none" w="med" len="med"/>
+                      <a:tailEnd type="none" w="med" len="med"/>
+                    </a:lnL>
+                    <a:lnR w="9525" cap="flat" cmpd="sng" algn="ctr">
+                      <a:solidFill>
+                        <a:srgbClr val="000000"/>
+                      </a:solidFill>
+                      <a:prstDash val="solid"/>
+                      <a:round/>
+                      <a:headEnd type="none" w="med" len="med"/>
+                      <a:tailEnd type="none" w="med" len="med"/>
+                    </a:lnR>
+                    <a:lnT w="9525" cap="flat" cmpd="sng" algn="ctr">
+                      <a:solidFill>
+                        <a:srgbClr val="000000"/>
+                      </a:solidFill>
+                      <a:prstDash val="solid"/>
+                      <a:round/>
+                      <a:headEnd type="none" w="med" len="med"/>
+                      <a:tailEnd type="none" w="med" len="med"/>
+                    </a:lnT>
+                    <a:lnB w="9525" cap="flat" cmpd="sng" algn="ctr">
+                      <a:solidFill>
+                        <a:srgbClr val="000000"/>
+                      </a:solidFill>
+                      <a:prstDash val="solid"/>
+                      <a:round/>
+                      <a:headEnd type="none" w="med" len="med"/>
+                      <a:tailEnd type="none" w="med" len="med"/>
+                    </a:lnB>
+                    <a:solidFill>
+                      <a:schemeClr val="bg1"/>
+                    </a:solidFill>
+                  </a:tcPr>
+                </a:tc>
+                <a:tc>
+                  <a:txBody>
+                    <a:bodyPr/>
+                    <a:lstStyle/>
+                    <a:p>
+                      <a:r>
+                        <a:rPr lang="en-US" sz="1100">
+                          <a:solidFill>
+                            <a:srgbClr val="000000"/>
+                          </a:solidFill>
+                          <a:effectLst/>
+                          <a:latin typeface="Helvetica Neue" panose="02000503000000020004" pitchFamily="2" charset="0"/>
+                        </a:rPr>
+                        <a:t>Q21651837</a:t>
+                      </a:r>
+                      <a:endParaRPr lang="en-US" sz="1100">
+                        <a:effectLst/>
+                      </a:endParaRPr>
+                    </a:p>
+                  </a:txBody>
+                  <a:tcPr marL="8189" marR="8189" marT="8189" marB="8189">
+                    <a:lnL w="9525" cap="flat" cmpd="sng" algn="ctr">
+                      <a:solidFill>
+                        <a:srgbClr val="000000"/>
+                      </a:solidFill>
+                      <a:prstDash val="solid"/>
+                      <a:round/>
+                      <a:headEnd type="none" w="med" len="med"/>
+                      <a:tailEnd type="none" w="med" len="med"/>
+                    </a:lnL>
+                    <a:lnR w="9525" cap="flat" cmpd="sng" algn="ctr">
+                      <a:solidFill>
+                        <a:srgbClr val="000000"/>
+                      </a:solidFill>
+                      <a:prstDash val="solid"/>
+                      <a:round/>
+                      <a:headEnd type="none" w="med" len="med"/>
+                      <a:tailEnd type="none" w="med" len="med"/>
+                    </a:lnR>
+                    <a:lnT w="9525" cap="flat" cmpd="sng" algn="ctr">
+                      <a:solidFill>
+                        <a:srgbClr val="000000"/>
+                      </a:solidFill>
+                      <a:prstDash val="solid"/>
+                      <a:round/>
+                      <a:headEnd type="none" w="med" len="med"/>
+                      <a:tailEnd type="none" w="med" len="med"/>
+                    </a:lnT>
+                    <a:lnB w="9525" cap="flat" cmpd="sng" algn="ctr">
+                      <a:solidFill>
+                        <a:srgbClr val="000000"/>
+                      </a:solidFill>
+                      <a:prstDash val="solid"/>
+                      <a:round/>
+                      <a:headEnd type="none" w="med" len="med"/>
+                      <a:tailEnd type="none" w="med" len="med"/>
+                    </a:lnB>
+                    <a:solidFill>
+                      <a:schemeClr val="bg1"/>
+                    </a:solidFill>
+                  </a:tcPr>
+                </a:tc>
+                <a:tc>
+                  <a:txBody>
+                    <a:bodyPr/>
+                    <a:lstStyle/>
+                    <a:p>
+                      <a:r>
+                        <a:rPr lang="en-US" sz="1100" dirty="0">
+                          <a:solidFill>
+                            <a:srgbClr val="000000"/>
+                          </a:solidFill>
+                          <a:effectLst/>
+                          <a:latin typeface="Helvetica Neue" panose="02000503000000020004" pitchFamily="2" charset="0"/>
+                        </a:rPr>
+                        <a:t> buy the materials to make the bomb</a:t>
+                      </a:r>
+                      <a:endParaRPr lang="en-US" sz="1100" dirty="0">
+                        <a:effectLst/>
+                      </a:endParaRPr>
+                    </a:p>
+                  </a:txBody>
+                  <a:tcPr marL="8189" marR="8189" marT="8189" marB="8189">
+                    <a:lnL w="9525" cap="flat" cmpd="sng" algn="ctr">
+                      <a:solidFill>
+                        <a:srgbClr val="000000"/>
+                      </a:solidFill>
+                      <a:prstDash val="solid"/>
+                      <a:round/>
+                      <a:headEnd type="none" w="med" len="med"/>
+                      <a:tailEnd type="none" w="med" len="med"/>
+                    </a:lnL>
+                    <a:lnR w="9525" cap="flat" cmpd="sng" algn="ctr">
+                      <a:solidFill>
+                        <a:srgbClr val="000000"/>
+                      </a:solidFill>
+                      <a:prstDash val="solid"/>
+                      <a:round/>
+                      <a:headEnd type="none" w="med" len="med"/>
+                      <a:tailEnd type="none" w="med" len="med"/>
+                    </a:lnR>
+                    <a:lnT w="9525" cap="flat" cmpd="sng" algn="ctr">
+                      <a:solidFill>
+                        <a:srgbClr val="000000"/>
+                      </a:solidFill>
+                      <a:prstDash val="solid"/>
+                      <a:round/>
+                      <a:headEnd type="none" w="med" len="med"/>
+                      <a:tailEnd type="none" w="med" len="med"/>
+                    </a:lnT>
+                    <a:lnB w="9525" cap="flat" cmpd="sng" algn="ctr">
+                      <a:solidFill>
+                        <a:srgbClr val="000000"/>
+                      </a:solidFill>
+                      <a:prstDash val="solid"/>
+                      <a:round/>
+                      <a:headEnd type="none" w="med" len="med"/>
+                      <a:tailEnd type="none" w="med" len="med"/>
+                    </a:lnB>
+                    <a:solidFill>
+                      <a:schemeClr val="bg1"/>
+                    </a:solidFill>
+                  </a:tcPr>
+                </a:tc>
+                <a:extLst>
+                  <a:ext uri="{0D108BD9-81ED-4DB2-BD59-A6C34878D82A}">
+                    <a16:rowId xmlns:a16="http://schemas.microsoft.com/office/drawing/2014/main" val="330456959"/>
+                  </a:ext>
+                </a:extLst>
+              </a:tr>
+              <a:tr h="231544">
+                <a:tc>
+                  <a:txBody>
+                    <a:bodyPr/>
+                    <a:lstStyle/>
+                    <a:p>
+                      <a:r>
+                        <a:rPr lang="en-US" sz="1100" b="1" dirty="0">
+                          <a:solidFill>
+                            <a:srgbClr val="000000"/>
+                          </a:solidFill>
+                          <a:effectLst/>
+                          <a:latin typeface="Helvetica Neue" panose="02000503000000020004" pitchFamily="2" charset="0"/>
+                        </a:rPr>
+                        <a:t>Get car </a:t>
+                      </a:r>
+                      <a:endParaRPr lang="en-US" sz="1100" b="1" dirty="0">
+                        <a:effectLst/>
+                      </a:endParaRPr>
+                    </a:p>
+                  </a:txBody>
+                  <a:tcPr marL="8189" marR="8189" marT="8189" marB="8189">
+                    <a:lnL w="9525" cap="flat" cmpd="sng" algn="ctr">
+                      <a:solidFill>
+                        <a:srgbClr val="000000"/>
+                      </a:solidFill>
+                      <a:prstDash val="solid"/>
+                      <a:round/>
+                      <a:headEnd type="none" w="med" len="med"/>
+                      <a:tailEnd type="none" w="med" len="med"/>
+                    </a:lnL>
+                    <a:lnR w="9525" cap="flat" cmpd="sng" algn="ctr">
+                      <a:solidFill>
+                        <a:srgbClr val="000000"/>
+                      </a:solidFill>
+                      <a:prstDash val="solid"/>
+                      <a:round/>
+                      <a:headEnd type="none" w="med" len="med"/>
+                      <a:tailEnd type="none" w="med" len="med"/>
+                    </a:lnR>
+                    <a:lnT w="9525" cap="flat" cmpd="sng" algn="ctr">
+                      <a:solidFill>
+                        <a:srgbClr val="000000"/>
+                      </a:solidFill>
+                      <a:prstDash val="solid"/>
+                      <a:round/>
+                      <a:headEnd type="none" w="med" len="med"/>
+                      <a:tailEnd type="none" w="med" len="med"/>
+                    </a:lnT>
+                    <a:lnB w="9525" cap="flat" cmpd="sng" algn="ctr">
+                      <a:solidFill>
+                        <a:srgbClr val="000000"/>
+                      </a:solidFill>
+                      <a:prstDash val="solid"/>
+                      <a:round/>
+                      <a:headEnd type="none" w="med" len="med"/>
+                      <a:tailEnd type="none" w="med" len="med"/>
+                    </a:lnB>
+                    <a:solidFill>
+                      <a:schemeClr val="bg1"/>
+                    </a:solidFill>
+                  </a:tcPr>
+                </a:tc>
+                <a:tc>
+                  <a:txBody>
+                    <a:bodyPr/>
+                    <a:lstStyle/>
+                    <a:p>
+                      <a:r>
+                        <a:rPr lang="en-US" sz="1100">
+                          <a:solidFill>
+                            <a:srgbClr val="000000"/>
+                          </a:solidFill>
+                          <a:effectLst/>
+                          <a:latin typeface="Helvetica Neue" panose="02000503000000020004" pitchFamily="2" charset="0"/>
+                        </a:rPr>
+                        <a:t>Q21651837</a:t>
+                      </a:r>
+                      <a:endParaRPr lang="en-US" sz="1100">
+                        <a:effectLst/>
+                      </a:endParaRPr>
+                    </a:p>
+                  </a:txBody>
+                  <a:tcPr marL="8189" marR="8189" marT="8189" marB="8189">
+                    <a:lnL w="9525" cap="flat" cmpd="sng" algn="ctr">
+                      <a:solidFill>
+                        <a:srgbClr val="000000"/>
+                      </a:solidFill>
+                      <a:prstDash val="solid"/>
+                      <a:round/>
+                      <a:headEnd type="none" w="med" len="med"/>
+                      <a:tailEnd type="none" w="med" len="med"/>
+                    </a:lnL>
+                    <a:lnR w="9525" cap="flat" cmpd="sng" algn="ctr">
+                      <a:solidFill>
+                        <a:srgbClr val="000000"/>
+                      </a:solidFill>
+                      <a:prstDash val="solid"/>
+                      <a:round/>
+                      <a:headEnd type="none" w="med" len="med"/>
+                      <a:tailEnd type="none" w="med" len="med"/>
+                    </a:lnR>
+                    <a:lnT w="9525" cap="flat" cmpd="sng" algn="ctr">
+                      <a:solidFill>
+                        <a:srgbClr val="000000"/>
+                      </a:solidFill>
+                      <a:prstDash val="solid"/>
+                      <a:round/>
+                      <a:headEnd type="none" w="med" len="med"/>
+                      <a:tailEnd type="none" w="med" len="med"/>
+                    </a:lnT>
+                    <a:lnB w="9525" cap="flat" cmpd="sng" algn="ctr">
+                      <a:solidFill>
+                        <a:srgbClr val="000000"/>
+                      </a:solidFill>
+                      <a:prstDash val="solid"/>
+                      <a:round/>
+                      <a:headEnd type="none" w="med" len="med"/>
+                      <a:tailEnd type="none" w="med" len="med"/>
+                    </a:lnB>
+                    <a:solidFill>
+                      <a:schemeClr val="bg1"/>
+                    </a:solidFill>
+                  </a:tcPr>
+                </a:tc>
+                <a:tc>
+                  <a:txBody>
+                    <a:bodyPr/>
+                    <a:lstStyle/>
+                    <a:p>
+                      <a:r>
+                        <a:rPr lang="en-US" sz="1100" dirty="0">
+                          <a:solidFill>
+                            <a:srgbClr val="000000"/>
+                          </a:solidFill>
+                          <a:effectLst/>
+                          <a:latin typeface="Helvetica Neue" panose="02000503000000020004" pitchFamily="2" charset="0"/>
+                        </a:rPr>
+                        <a:t> buy the vehicle</a:t>
+                      </a:r>
+                      <a:endParaRPr lang="en-US" sz="1100" dirty="0">
+                        <a:effectLst/>
+                      </a:endParaRPr>
+                    </a:p>
+                  </a:txBody>
+                  <a:tcPr marL="8189" marR="8189" marT="8189" marB="8189">
+                    <a:lnL w="9525" cap="flat" cmpd="sng" algn="ctr">
+                      <a:solidFill>
+                        <a:srgbClr val="000000"/>
+                      </a:solidFill>
+                      <a:prstDash val="solid"/>
+                      <a:round/>
+                      <a:headEnd type="none" w="med" len="med"/>
+                      <a:tailEnd type="none" w="med" len="med"/>
+                    </a:lnL>
+                    <a:lnR w="9525" cap="flat" cmpd="sng" algn="ctr">
+                      <a:solidFill>
+                        <a:srgbClr val="000000"/>
+                      </a:solidFill>
+                      <a:prstDash val="solid"/>
+                      <a:round/>
+                      <a:headEnd type="none" w="med" len="med"/>
+                      <a:tailEnd type="none" w="med" len="med"/>
+                    </a:lnR>
+                    <a:lnT w="9525" cap="flat" cmpd="sng" algn="ctr">
+                      <a:solidFill>
+                        <a:srgbClr val="000000"/>
+                      </a:solidFill>
+                      <a:prstDash val="solid"/>
+                      <a:round/>
+                      <a:headEnd type="none" w="med" len="med"/>
+                      <a:tailEnd type="none" w="med" len="med"/>
+                    </a:lnT>
+                    <a:lnB w="9525" cap="flat" cmpd="sng" algn="ctr">
+                      <a:solidFill>
+                        <a:srgbClr val="000000"/>
+                      </a:solidFill>
+                      <a:prstDash val="solid"/>
+                      <a:round/>
+                      <a:headEnd type="none" w="med" len="med"/>
+                      <a:tailEnd type="none" w="med" len="med"/>
+                    </a:lnB>
+                    <a:solidFill>
+                      <a:schemeClr val="bg1"/>
+                    </a:solidFill>
+                  </a:tcPr>
+                </a:tc>
+                <a:extLst>
+                  <a:ext uri="{0D108BD9-81ED-4DB2-BD59-A6C34878D82A}">
+                    <a16:rowId xmlns:a16="http://schemas.microsoft.com/office/drawing/2014/main" val="1154740186"/>
+                  </a:ext>
+                </a:extLst>
+              </a:tr>
+              <a:tr h="279500">
+                <a:tc>
+                  <a:txBody>
+                    <a:bodyPr/>
+                    <a:lstStyle/>
+                    <a:p>
+                      <a:r>
+                        <a:rPr lang="en-US" sz="1100" b="1">
+                          <a:solidFill>
+                            <a:srgbClr val="000000"/>
+                          </a:solidFill>
+                          <a:effectLst/>
+                          <a:latin typeface="Helvetica Neue" panose="02000503000000020004" pitchFamily="2" charset="0"/>
+                        </a:rPr>
+                        <a:t>Manufacture of assemble IED </a:t>
+                      </a:r>
+                      <a:endParaRPr lang="en-US" sz="1100" b="1">
+                        <a:effectLst/>
+                      </a:endParaRPr>
+                    </a:p>
+                  </a:txBody>
+                  <a:tcPr marL="8189" marR="8189" marT="8189" marB="8189">
+                    <a:lnL w="9525" cap="flat" cmpd="sng" algn="ctr">
+                      <a:solidFill>
+                        <a:srgbClr val="000000"/>
+                      </a:solidFill>
+                      <a:prstDash val="solid"/>
+                      <a:round/>
+                      <a:headEnd type="none" w="med" len="med"/>
+                      <a:tailEnd type="none" w="med" len="med"/>
+                    </a:lnL>
+                    <a:lnR w="9525" cap="flat" cmpd="sng" algn="ctr">
+                      <a:solidFill>
+                        <a:srgbClr val="000000"/>
+                      </a:solidFill>
+                      <a:prstDash val="solid"/>
+                      <a:round/>
+                      <a:headEnd type="none" w="med" len="med"/>
+                      <a:tailEnd type="none" w="med" len="med"/>
+                    </a:lnR>
+                    <a:lnT w="9525" cap="flat" cmpd="sng" algn="ctr">
+                      <a:solidFill>
+                        <a:srgbClr val="000000"/>
+                      </a:solidFill>
+                      <a:prstDash val="solid"/>
+                      <a:round/>
+                      <a:headEnd type="none" w="med" len="med"/>
+                      <a:tailEnd type="none" w="med" len="med"/>
+                    </a:lnT>
+                    <a:lnB w="9525" cap="flat" cmpd="sng" algn="ctr">
+                      <a:solidFill>
+                        <a:srgbClr val="000000"/>
+                      </a:solidFill>
+                      <a:prstDash val="solid"/>
+                      <a:round/>
+                      <a:headEnd type="none" w="med" len="med"/>
+                      <a:tailEnd type="none" w="med" len="med"/>
+                    </a:lnB>
+                    <a:solidFill>
+                      <a:schemeClr val="bg1"/>
+                    </a:solidFill>
+                  </a:tcPr>
+                </a:tc>
+                <a:tc>
+                  <a:txBody>
+                    <a:bodyPr/>
+                    <a:lstStyle/>
+                    <a:p>
+                      <a:r>
+                        <a:rPr lang="en-US" sz="1100" dirty="0">
+                          <a:solidFill>
+                            <a:srgbClr val="000000"/>
+                          </a:solidFill>
+                          <a:effectLst/>
+                          <a:latin typeface="Helvetica Neue" panose="02000503000000020004" pitchFamily="2" charset="0"/>
+                        </a:rPr>
+                        <a:t>Q187939</a:t>
+                      </a:r>
+                      <a:endParaRPr lang="en-US" sz="1100" dirty="0">
+                        <a:effectLst/>
+                      </a:endParaRPr>
+                    </a:p>
+                  </a:txBody>
+                  <a:tcPr marL="8189" marR="8189" marT="8189" marB="8189">
+                    <a:lnL w="9525" cap="flat" cmpd="sng" algn="ctr">
+                      <a:solidFill>
+                        <a:srgbClr val="000000"/>
+                      </a:solidFill>
+                      <a:prstDash val="solid"/>
+                      <a:round/>
+                      <a:headEnd type="none" w="med" len="med"/>
+                      <a:tailEnd type="none" w="med" len="med"/>
+                    </a:lnL>
+                    <a:lnR w="9525" cap="flat" cmpd="sng" algn="ctr">
+                      <a:solidFill>
+                        <a:srgbClr val="000000"/>
+                      </a:solidFill>
+                      <a:prstDash val="solid"/>
+                      <a:round/>
+                      <a:headEnd type="none" w="med" len="med"/>
+                      <a:tailEnd type="none" w="med" len="med"/>
+                    </a:lnR>
+                    <a:lnT w="9525" cap="flat" cmpd="sng" algn="ctr">
+                      <a:solidFill>
+                        <a:srgbClr val="000000"/>
+                      </a:solidFill>
+                      <a:prstDash val="solid"/>
+                      <a:round/>
+                      <a:headEnd type="none" w="med" len="med"/>
+                      <a:tailEnd type="none" w="med" len="med"/>
+                    </a:lnT>
+                    <a:lnB w="9525" cap="flat" cmpd="sng" algn="ctr">
+                      <a:solidFill>
+                        <a:srgbClr val="000000"/>
+                      </a:solidFill>
+                      <a:prstDash val="solid"/>
+                      <a:round/>
+                      <a:headEnd type="none" w="med" len="med"/>
+                      <a:tailEnd type="none" w="med" len="med"/>
+                    </a:lnB>
+                    <a:solidFill>
+                      <a:schemeClr val="bg1"/>
+                    </a:solidFill>
+                  </a:tcPr>
+                </a:tc>
+                <a:tc>
+                  <a:txBody>
+                    <a:bodyPr/>
+                    <a:lstStyle/>
+                    <a:p>
+                      <a:r>
+                        <a:rPr lang="en-US" sz="1100" dirty="0">
+                          <a:solidFill>
+                            <a:srgbClr val="000000"/>
+                          </a:solidFill>
+                          <a:effectLst/>
+                          <a:latin typeface="Helvetica Neue" panose="02000503000000020004" pitchFamily="2" charset="0"/>
+                        </a:rPr>
+                        <a:t> manufacturing the bomb</a:t>
+                      </a:r>
+                      <a:endParaRPr lang="en-US" sz="1100" dirty="0">
+                        <a:effectLst/>
+                      </a:endParaRPr>
+                    </a:p>
+                  </a:txBody>
+                  <a:tcPr marL="8189" marR="8189" marT="8189" marB="8189">
+                    <a:lnL w="9525" cap="flat" cmpd="sng" algn="ctr">
+                      <a:solidFill>
+                        <a:srgbClr val="000000"/>
+                      </a:solidFill>
+                      <a:prstDash val="solid"/>
+                      <a:round/>
+                      <a:headEnd type="none" w="med" len="med"/>
+                      <a:tailEnd type="none" w="med" len="med"/>
+                    </a:lnL>
+                    <a:lnR w="9525" cap="flat" cmpd="sng" algn="ctr">
+                      <a:solidFill>
+                        <a:srgbClr val="000000"/>
+                      </a:solidFill>
+                      <a:prstDash val="solid"/>
+                      <a:round/>
+                      <a:headEnd type="none" w="med" len="med"/>
+                      <a:tailEnd type="none" w="med" len="med"/>
+                    </a:lnR>
+                    <a:lnT w="9525" cap="flat" cmpd="sng" algn="ctr">
+                      <a:solidFill>
+                        <a:srgbClr val="000000"/>
+                      </a:solidFill>
+                      <a:prstDash val="solid"/>
+                      <a:round/>
+                      <a:headEnd type="none" w="med" len="med"/>
+                      <a:tailEnd type="none" w="med" len="med"/>
+                    </a:lnT>
+                    <a:lnB w="9525" cap="flat" cmpd="sng" algn="ctr">
+                      <a:solidFill>
+                        <a:srgbClr val="000000"/>
+                      </a:solidFill>
+                      <a:prstDash val="solid"/>
+                      <a:round/>
+                      <a:headEnd type="none" w="med" len="med"/>
+                      <a:tailEnd type="none" w="med" len="med"/>
+                    </a:lnB>
+                    <a:solidFill>
+                      <a:schemeClr val="bg1"/>
+                    </a:solidFill>
+                  </a:tcPr>
+                </a:tc>
+                <a:extLst>
+                  <a:ext uri="{0D108BD9-81ED-4DB2-BD59-A6C34878D82A}">
+                    <a16:rowId xmlns:a16="http://schemas.microsoft.com/office/drawing/2014/main" val="444348334"/>
+                  </a:ext>
+                </a:extLst>
+              </a:tr>
+              <a:tr h="231544">
+                <a:tc>
+                  <a:txBody>
+                    <a:bodyPr/>
+                    <a:lstStyle/>
+                    <a:p>
+                      <a:r>
+                        <a:rPr lang="en-US" sz="1100" b="1" dirty="0">
+                          <a:solidFill>
+                            <a:srgbClr val="000000"/>
+                          </a:solidFill>
+                          <a:effectLst/>
+                          <a:latin typeface="Helvetica Neue" panose="02000503000000020004" pitchFamily="2" charset="0"/>
+                        </a:rPr>
+                        <a:t>Move IED </a:t>
+                      </a:r>
+                      <a:endParaRPr lang="en-US" sz="1100" b="1" dirty="0">
+                        <a:effectLst/>
+                      </a:endParaRPr>
+                    </a:p>
+                  </a:txBody>
+                  <a:tcPr marL="8189" marR="8189" marT="8189" marB="8189">
+                    <a:lnL w="9525" cap="flat" cmpd="sng" algn="ctr">
+                      <a:solidFill>
+                        <a:srgbClr val="000000"/>
+                      </a:solidFill>
+                      <a:prstDash val="solid"/>
+                      <a:round/>
+                      <a:headEnd type="none" w="med" len="med"/>
+                      <a:tailEnd type="none" w="med" len="med"/>
+                    </a:lnL>
+                    <a:lnR w="9525" cap="flat" cmpd="sng" algn="ctr">
+                      <a:solidFill>
+                        <a:srgbClr val="000000"/>
+                      </a:solidFill>
+                      <a:prstDash val="solid"/>
+                      <a:round/>
+                      <a:headEnd type="none" w="med" len="med"/>
+                      <a:tailEnd type="none" w="med" len="med"/>
+                    </a:lnR>
+                    <a:lnT w="9525" cap="flat" cmpd="sng" algn="ctr">
+                      <a:solidFill>
+                        <a:srgbClr val="000000"/>
+                      </a:solidFill>
+                      <a:prstDash val="solid"/>
+                      <a:round/>
+                      <a:headEnd type="none" w="med" len="med"/>
+                      <a:tailEnd type="none" w="med" len="med"/>
+                    </a:lnT>
+                    <a:lnB w="9525" cap="flat" cmpd="sng" algn="ctr">
+                      <a:solidFill>
+                        <a:srgbClr val="000000"/>
+                      </a:solidFill>
+                      <a:prstDash val="solid"/>
+                      <a:round/>
+                      <a:headEnd type="none" w="med" len="med"/>
+                      <a:tailEnd type="none" w="med" len="med"/>
+                    </a:lnB>
+                    <a:solidFill>
+                      <a:schemeClr val="bg1"/>
+                    </a:solidFill>
+                  </a:tcPr>
+                </a:tc>
+                <a:tc>
+                  <a:txBody>
+                    <a:bodyPr/>
+                    <a:lstStyle/>
+                    <a:p>
+                      <a:r>
+                        <a:rPr lang="en-US" sz="1100" dirty="0">
+                          <a:solidFill>
+                            <a:srgbClr val="000000"/>
+                          </a:solidFill>
+                          <a:effectLst/>
+                          <a:latin typeface="Helvetica Neue" panose="02000503000000020004" pitchFamily="2" charset="0"/>
+                        </a:rPr>
+                        <a:t>Q7590</a:t>
+                      </a:r>
+                      <a:endParaRPr lang="en-US" sz="1100" dirty="0">
+                        <a:effectLst/>
+                      </a:endParaRPr>
+                    </a:p>
+                  </a:txBody>
+                  <a:tcPr marL="8189" marR="8189" marT="8189" marB="8189">
+                    <a:lnL w="9525" cap="flat" cmpd="sng" algn="ctr">
+                      <a:solidFill>
+                        <a:srgbClr val="000000"/>
+                      </a:solidFill>
+                      <a:prstDash val="solid"/>
+                      <a:round/>
+                      <a:headEnd type="none" w="med" len="med"/>
+                      <a:tailEnd type="none" w="med" len="med"/>
+                    </a:lnL>
+                    <a:lnR w="9525" cap="flat" cmpd="sng" algn="ctr">
+                      <a:solidFill>
+                        <a:srgbClr val="000000"/>
+                      </a:solidFill>
+                      <a:prstDash val="solid"/>
+                      <a:round/>
+                      <a:headEnd type="none" w="med" len="med"/>
+                      <a:tailEnd type="none" w="med" len="med"/>
+                    </a:lnR>
+                    <a:lnT w="9525" cap="flat" cmpd="sng" algn="ctr">
+                      <a:solidFill>
+                        <a:srgbClr val="000000"/>
+                      </a:solidFill>
+                      <a:prstDash val="solid"/>
+                      <a:round/>
+                      <a:headEnd type="none" w="med" len="med"/>
+                      <a:tailEnd type="none" w="med" len="med"/>
+                    </a:lnT>
+                    <a:lnB w="9525" cap="flat" cmpd="sng" algn="ctr">
+                      <a:solidFill>
+                        <a:srgbClr val="000000"/>
+                      </a:solidFill>
+                      <a:prstDash val="solid"/>
+                      <a:round/>
+                      <a:headEnd type="none" w="med" len="med"/>
+                      <a:tailEnd type="none" w="med" len="med"/>
+                    </a:lnB>
+                    <a:solidFill>
+                      <a:schemeClr val="bg1"/>
+                    </a:solidFill>
+                  </a:tcPr>
+                </a:tc>
+                <a:tc>
+                  <a:txBody>
+                    <a:bodyPr/>
+                    <a:lstStyle/>
+                    <a:p>
+                      <a:r>
+                        <a:rPr lang="en-US" sz="1100" dirty="0">
+                          <a:solidFill>
+                            <a:srgbClr val="000000"/>
+                          </a:solidFill>
+                          <a:effectLst/>
+                          <a:latin typeface="Helvetica Neue" panose="02000503000000020004" pitchFamily="2" charset="0"/>
+                        </a:rPr>
+                        <a:t> transport the bomb to some place</a:t>
+                      </a:r>
+                      <a:endParaRPr lang="en-US" sz="1100" dirty="0">
+                        <a:effectLst/>
+                      </a:endParaRPr>
+                    </a:p>
+                  </a:txBody>
+                  <a:tcPr marL="8189" marR="8189" marT="8189" marB="8189">
+                    <a:lnL w="9525" cap="flat" cmpd="sng" algn="ctr">
+                      <a:solidFill>
+                        <a:srgbClr val="000000"/>
+                      </a:solidFill>
+                      <a:prstDash val="solid"/>
+                      <a:round/>
+                      <a:headEnd type="none" w="med" len="med"/>
+                      <a:tailEnd type="none" w="med" len="med"/>
+                    </a:lnL>
+                    <a:lnR w="9525" cap="flat" cmpd="sng" algn="ctr">
+                      <a:solidFill>
+                        <a:srgbClr val="000000"/>
+                      </a:solidFill>
+                      <a:prstDash val="solid"/>
+                      <a:round/>
+                      <a:headEnd type="none" w="med" len="med"/>
+                      <a:tailEnd type="none" w="med" len="med"/>
+                    </a:lnR>
+                    <a:lnT w="9525" cap="flat" cmpd="sng" algn="ctr">
+                      <a:solidFill>
+                        <a:srgbClr val="000000"/>
+                      </a:solidFill>
+                      <a:prstDash val="solid"/>
+                      <a:round/>
+                      <a:headEnd type="none" w="med" len="med"/>
+                      <a:tailEnd type="none" w="med" len="med"/>
+                    </a:lnT>
+                    <a:lnB w="9525" cap="flat" cmpd="sng" algn="ctr">
+                      <a:solidFill>
+                        <a:srgbClr val="000000"/>
+                      </a:solidFill>
+                      <a:prstDash val="solid"/>
+                      <a:round/>
+                      <a:headEnd type="none" w="med" len="med"/>
+                      <a:tailEnd type="none" w="med" len="med"/>
+                    </a:lnB>
+                    <a:solidFill>
+                      <a:schemeClr val="bg1"/>
+                    </a:solidFill>
+                  </a:tcPr>
+                </a:tc>
+                <a:extLst>
+                  <a:ext uri="{0D108BD9-81ED-4DB2-BD59-A6C34878D82A}">
+                    <a16:rowId xmlns:a16="http://schemas.microsoft.com/office/drawing/2014/main" val="2568457529"/>
+                  </a:ext>
+                </a:extLst>
+              </a:tr>
+              <a:tr h="279500">
+                <a:tc>
+                  <a:txBody>
+                    <a:bodyPr/>
+                    <a:lstStyle/>
+                    <a:p>
+                      <a:r>
+                        <a:rPr lang="en-US" sz="1100" b="1" dirty="0">
+                          <a:solidFill>
+                            <a:srgbClr val="000000"/>
+                          </a:solidFill>
+                          <a:effectLst/>
+                          <a:latin typeface="Helvetica Neue" panose="02000503000000020004" pitchFamily="2" charset="0"/>
+                        </a:rPr>
+                        <a:t>Move car to assembly location </a:t>
+                      </a:r>
+                      <a:endParaRPr lang="en-US" sz="1100" b="1" dirty="0">
+                        <a:effectLst/>
+                      </a:endParaRPr>
+                    </a:p>
+                  </a:txBody>
+                  <a:tcPr marL="8189" marR="8189" marT="8189" marB="8189">
+                    <a:lnL w="9525" cap="flat" cmpd="sng" algn="ctr">
+                      <a:solidFill>
+                        <a:srgbClr val="000000"/>
+                      </a:solidFill>
+                      <a:prstDash val="solid"/>
+                      <a:round/>
+                      <a:headEnd type="none" w="med" len="med"/>
+                      <a:tailEnd type="none" w="med" len="med"/>
+                    </a:lnL>
+                    <a:lnR w="9525" cap="flat" cmpd="sng" algn="ctr">
+                      <a:solidFill>
+                        <a:srgbClr val="000000"/>
+                      </a:solidFill>
+                      <a:prstDash val="solid"/>
+                      <a:round/>
+                      <a:headEnd type="none" w="med" len="med"/>
+                      <a:tailEnd type="none" w="med" len="med"/>
+                    </a:lnR>
+                    <a:lnT w="9525" cap="flat" cmpd="sng" algn="ctr">
+                      <a:solidFill>
+                        <a:srgbClr val="000000"/>
+                      </a:solidFill>
+                      <a:prstDash val="solid"/>
+                      <a:round/>
+                      <a:headEnd type="none" w="med" len="med"/>
+                      <a:tailEnd type="none" w="med" len="med"/>
+                    </a:lnT>
+                    <a:lnB w="9525" cap="flat" cmpd="sng" algn="ctr">
+                      <a:solidFill>
+                        <a:srgbClr val="000000"/>
+                      </a:solidFill>
+                      <a:prstDash val="solid"/>
+                      <a:round/>
+                      <a:headEnd type="none" w="med" len="med"/>
+                      <a:tailEnd type="none" w="med" len="med"/>
+                    </a:lnB>
+                    <a:solidFill>
+                      <a:schemeClr val="bg1"/>
+                    </a:solidFill>
+                  </a:tcPr>
+                </a:tc>
+                <a:tc>
+                  <a:txBody>
+                    <a:bodyPr/>
+                    <a:lstStyle/>
+                    <a:p>
+                      <a:r>
+                        <a:rPr lang="en-US" sz="1100">
+                          <a:solidFill>
+                            <a:srgbClr val="000000"/>
+                          </a:solidFill>
+                          <a:effectLst/>
+                          <a:latin typeface="Helvetica Neue" panose="02000503000000020004" pitchFamily="2" charset="0"/>
+                        </a:rPr>
+                        <a:t>Q7590</a:t>
+                      </a:r>
+                      <a:endParaRPr lang="en-US" sz="1100">
+                        <a:effectLst/>
+                      </a:endParaRPr>
+                    </a:p>
+                  </a:txBody>
+                  <a:tcPr marL="8189" marR="8189" marT="8189" marB="8189">
+                    <a:lnL w="9525" cap="flat" cmpd="sng" algn="ctr">
+                      <a:solidFill>
+                        <a:srgbClr val="000000"/>
+                      </a:solidFill>
+                      <a:prstDash val="solid"/>
+                      <a:round/>
+                      <a:headEnd type="none" w="med" len="med"/>
+                      <a:tailEnd type="none" w="med" len="med"/>
+                    </a:lnL>
+                    <a:lnR w="9525" cap="flat" cmpd="sng" algn="ctr">
+                      <a:solidFill>
+                        <a:srgbClr val="000000"/>
+                      </a:solidFill>
+                      <a:prstDash val="solid"/>
+                      <a:round/>
+                      <a:headEnd type="none" w="med" len="med"/>
+                      <a:tailEnd type="none" w="med" len="med"/>
+                    </a:lnR>
+                    <a:lnT w="9525" cap="flat" cmpd="sng" algn="ctr">
+                      <a:solidFill>
+                        <a:srgbClr val="000000"/>
+                      </a:solidFill>
+                      <a:prstDash val="solid"/>
+                      <a:round/>
+                      <a:headEnd type="none" w="med" len="med"/>
+                      <a:tailEnd type="none" w="med" len="med"/>
+                    </a:lnT>
+                    <a:lnB w="9525" cap="flat" cmpd="sng" algn="ctr">
+                      <a:solidFill>
+                        <a:srgbClr val="000000"/>
+                      </a:solidFill>
+                      <a:prstDash val="solid"/>
+                      <a:round/>
+                      <a:headEnd type="none" w="med" len="med"/>
+                      <a:tailEnd type="none" w="med" len="med"/>
+                    </a:lnB>
+                    <a:solidFill>
+                      <a:schemeClr val="bg1"/>
+                    </a:solidFill>
+                  </a:tcPr>
+                </a:tc>
+                <a:tc>
+                  <a:txBody>
+                    <a:bodyPr/>
+                    <a:lstStyle/>
+                    <a:p>
+                      <a:r>
+                        <a:rPr lang="en-US" sz="1100" dirty="0">
+                          <a:solidFill>
+                            <a:srgbClr val="000000"/>
+                          </a:solidFill>
+                          <a:effectLst/>
+                          <a:latin typeface="Helvetica Neue" panose="02000503000000020004" pitchFamily="2" charset="0"/>
+                        </a:rPr>
+                        <a:t> transport the vehicle to some place</a:t>
+                      </a:r>
+                      <a:endParaRPr lang="en-US" sz="1100" dirty="0">
+                        <a:effectLst/>
+                      </a:endParaRPr>
+                    </a:p>
+                  </a:txBody>
+                  <a:tcPr marL="8189" marR="8189" marT="8189" marB="8189">
+                    <a:lnL w="9525" cap="flat" cmpd="sng" algn="ctr">
+                      <a:solidFill>
+                        <a:srgbClr val="000000"/>
+                      </a:solidFill>
+                      <a:prstDash val="solid"/>
+                      <a:round/>
+                      <a:headEnd type="none" w="med" len="med"/>
+                      <a:tailEnd type="none" w="med" len="med"/>
+                    </a:lnL>
+                    <a:lnR w="9525" cap="flat" cmpd="sng" algn="ctr">
+                      <a:solidFill>
+                        <a:srgbClr val="000000"/>
+                      </a:solidFill>
+                      <a:prstDash val="solid"/>
+                      <a:round/>
+                      <a:headEnd type="none" w="med" len="med"/>
+                      <a:tailEnd type="none" w="med" len="med"/>
+                    </a:lnR>
+                    <a:lnT w="9525" cap="flat" cmpd="sng" algn="ctr">
+                      <a:solidFill>
+                        <a:srgbClr val="000000"/>
+                      </a:solidFill>
+                      <a:prstDash val="solid"/>
+                      <a:round/>
+                      <a:headEnd type="none" w="med" len="med"/>
+                      <a:tailEnd type="none" w="med" len="med"/>
+                    </a:lnT>
+                    <a:lnB w="9525" cap="flat" cmpd="sng" algn="ctr">
+                      <a:solidFill>
+                        <a:srgbClr val="000000"/>
+                      </a:solidFill>
+                      <a:prstDash val="solid"/>
+                      <a:round/>
+                      <a:headEnd type="none" w="med" len="med"/>
+                      <a:tailEnd type="none" w="med" len="med"/>
+                    </a:lnB>
+                    <a:solidFill>
+                      <a:schemeClr val="bg1"/>
+                    </a:solidFill>
+                  </a:tcPr>
+                </a:tc>
+                <a:extLst>
+                  <a:ext uri="{0D108BD9-81ED-4DB2-BD59-A6C34878D82A}">
+                    <a16:rowId xmlns:a16="http://schemas.microsoft.com/office/drawing/2014/main" val="2582085783"/>
+                  </a:ext>
+                </a:extLst>
+              </a:tr>
+            </a:tbl>
+          </a:graphicData>
+        </a:graphic>
+      </p:graphicFrame>
+    </p:spTree>
+    <p:extLst>
+      <p:ext uri="{BB962C8B-B14F-4D97-AF65-F5344CB8AC3E}">
+        <p14:creationId xmlns:p14="http://schemas.microsoft.com/office/powerpoint/2010/main" val="1993398976"/>
+      </p:ext>
+    </p:extLst>
+  </p:cSld>
+  <p:clrMapOvr>
+    <a:masterClrMapping/>
+  </p:clrMapOvr>
+</p:sld>
+</file>
+
+<file path=ppt/slides/slide11.xml><?xml version="1.0" encoding="utf-8"?>
+<p:sld xmlns:a="http://schemas.openxmlformats.org/drawingml/2006/main" xmlns:r="http://schemas.openxmlformats.org/officeDocument/2006/relationships" xmlns:p="http://schemas.openxmlformats.org/presentationml/2006/main">
+  <p:cSld>
+    <p:spTree>
+      <p:nvGrpSpPr>
+        <p:cNvPr id="1" name=""/>
+        <p:cNvGrpSpPr/>
+        <p:nvPr/>
+      </p:nvGrpSpPr>
+      <p:grpSpPr>
+        <a:xfrm>
+          <a:off x="0" y="0"/>
+          <a:ext cx="0" cy="0"/>
+          <a:chOff x="0" y="0"/>
+          <a:chExt cx="0" cy="0"/>
+        </a:xfrm>
+      </p:grpSpPr>
+      <p:sp>
+        <p:nvSpPr>
+          <p:cNvPr id="2" name="Title 1">
+            <a:extLst>
+              <a:ext uri="{FF2B5EF4-FFF2-40B4-BE49-F238E27FC236}">
+                <a16:creationId xmlns:a16="http://schemas.microsoft.com/office/drawing/2014/main" id="{26684D29-AC3A-F349-9536-A20F9F6FC579}"/>
+              </a:ext>
+            </a:extLst>
+          </p:cNvPr>
+          <p:cNvSpPr>
+            <a:spLocks noGrp="1"/>
+          </p:cNvSpPr>
+          <p:nvPr>
+            <p:ph type="title"/>
+          </p:nvPr>
+        </p:nvSpPr>
         <p:spPr/>
         <p:txBody>
           <a:bodyPr>
@@ -6653,7 +8248,7 @@
           <a:p>
             <a:r>
               <a:rPr lang="en-US" dirty="0"/>
-              <a:t>Car-bombing IED Schema Part 2</a:t>
+              <a:t>Car IED: Execution</a:t>
             </a:r>
           </a:p>
         </p:txBody>
@@ -6705,8 +8300,8 @@
         </p:blipFill>
         <p:spPr>
           <a:xfrm>
-            <a:off x="0" y="1152475"/>
-            <a:ext cx="5174095" cy="3831904"/>
+            <a:off x="0" y="921631"/>
+            <a:ext cx="5485796" cy="4062748"/>
           </a:xfrm>
           <a:prstGeom prst="rect">
             <a:avLst/>
@@ -8989,7 +10584,7 @@
 </p:sld>
 </file>
 
-<file path=ppt/slides/slide11.xml><?xml version="1.0" encoding="utf-8"?>
+<file path=ppt/slides/slide12.xml><?xml version="1.0" encoding="utf-8"?>
 <p:sld xmlns:a="http://schemas.openxmlformats.org/drawingml/2006/main" xmlns:r="http://schemas.openxmlformats.org/officeDocument/2006/relationships" xmlns:p="http://schemas.openxmlformats.org/presentationml/2006/main">
   <p:cSld>
     <p:spTree>
@@ -9024,7 +10619,7 @@
         </p:nvSpPr>
         <p:spPr>
           <a:xfrm>
-            <a:off x="6761018" y="0"/>
+            <a:off x="0" y="3184072"/>
             <a:ext cx="2071282" cy="572700"/>
           </a:xfrm>
         </p:spPr>
@@ -9036,7 +10631,7 @@
           <a:p>
             <a:r>
               <a:rPr lang="en-US" dirty="0"/>
-              <a:t>Car-bombing IED Schema Part 3</a:t>
+              <a:t>Car-IED: Aftermath</a:t>
             </a:r>
           </a:p>
         </p:txBody>
@@ -11745,7 +13340,7 @@
 </p:sld>
 </file>
 
-<file path=ppt/slides/slide12.xml><?xml version="1.0" encoding="utf-8"?>
+<file path=ppt/slides/slide13.xml><?xml version="1.0" encoding="utf-8"?>
 <p:sld xmlns:a="http://schemas.openxmlformats.org/drawingml/2006/main" xmlns:r="http://schemas.openxmlformats.org/officeDocument/2006/relationships" xmlns:p="http://schemas.openxmlformats.org/presentationml/2006/main">
   <p:cSld>
     <p:spTree>
@@ -17393,11 +18988,17 @@
         <p:nvGraphicFramePr>
           <p:cNvPr id="84" name="Google Shape;84;p15"/>
           <p:cNvGraphicFramePr/>
-          <p:nvPr/>
+          <p:nvPr>
+            <p:extLst>
+              <p:ext uri="{D42A27DB-BD31-4B8C-83A1-F6EECF244321}">
+                <p14:modId xmlns:p14="http://schemas.microsoft.com/office/powerpoint/2010/main" val="3649804450"/>
+              </p:ext>
+            </p:extLst>
+          </p:nvPr>
         </p:nvGraphicFramePr>
         <p:xfrm>
-          <a:off x="5372484" y="1152475"/>
-          <a:ext cx="3459815" cy="3557315"/>
+          <a:off x="5372484" y="1044301"/>
+          <a:ext cx="3771516" cy="3975945"/>
         </p:xfrm>
         <a:graphic>
           <a:graphicData uri="http://schemas.openxmlformats.org/drawingml/2006/table">
@@ -17407,21 +19008,21 @@
                 <a:tableStyleId>{E4BA72F3-E349-4A06-98A5-2DBAF7C8B1ED}</a:tableStyleId>
               </a:tblPr>
               <a:tblGrid>
-                <a:gridCol w="1456467">
+                <a:gridCol w="1461023">
                   <a:extLst>
                     <a:ext uri="{9D8B030D-6E8A-4147-A177-3AD203B41FA5}">
                       <a16:colId xmlns:a16="http://schemas.microsoft.com/office/drawing/2014/main" val="20000"/>
                     </a:ext>
                   </a:extLst>
                 </a:gridCol>
-                <a:gridCol w="682192">
+                <a:gridCol w="870312">
                   <a:extLst>
                     <a:ext uri="{9D8B030D-6E8A-4147-A177-3AD203B41FA5}">
                       <a16:colId xmlns:a16="http://schemas.microsoft.com/office/drawing/2014/main" val="20001"/>
                     </a:ext>
                   </a:extLst>
                 </a:gridCol>
-                <a:gridCol w="1321156">
+                <a:gridCol w="1440181">
                   <a:extLst>
                     <a:ext uri="{9D8B030D-6E8A-4147-A177-3AD203B41FA5}">
                       <a16:colId xmlns:a16="http://schemas.microsoft.com/office/drawing/2014/main" val="20002"/>
@@ -17429,7 +19030,7 @@
                   </a:extLst>
                 </a:gridCol>
               </a:tblGrid>
-              <a:tr h="296455">
+              <a:tr h="355159">
                 <a:tc>
                   <a:txBody>
                     <a:bodyPr/>
@@ -17448,10 +19049,10 @@
                         <a:buNone/>
                       </a:pPr>
                       <a:r>
-                        <a:rPr lang="en" sz="800" b="1" dirty="0"/>
+                        <a:rPr lang="en" sz="1050" b="1" dirty="0"/>
                         <a:t>threatening by announcing </a:t>
                       </a:r>
-                      <a:endParaRPr sz="800" b="1" dirty="0"/>
+                      <a:endParaRPr sz="1050" b="1" dirty="0"/>
                     </a:p>
                   </a:txBody>
                   <a:tcPr marL="38100" marR="38100" marT="38100" marB="38100">
@@ -17511,10 +19112,10 @@
                         <a:buNone/>
                       </a:pPr>
                       <a:r>
-                        <a:rPr lang="en" sz="800" dirty="0"/>
+                        <a:rPr lang="en" sz="1050" dirty="0"/>
                         <a:t>Q325980</a:t>
                       </a:r>
-                      <a:endParaRPr sz="800" dirty="0"/>
+                      <a:endParaRPr sz="1050" dirty="0"/>
                     </a:p>
                   </a:txBody>
                   <a:tcPr marL="38100" marR="38100" marT="38100" marB="38100">
@@ -17574,10 +19175,10 @@
                         <a:buNone/>
                       </a:pPr>
                       <a:r>
-                        <a:rPr lang="en" sz="800" dirty="0"/>
+                        <a:rPr lang="en" sz="1050" dirty="0"/>
                         <a:t> threatening the possible bombing </a:t>
                       </a:r>
-                      <a:endParaRPr sz="800" dirty="0"/>
+                      <a:endParaRPr sz="1050" dirty="0"/>
                     </a:p>
                   </a:txBody>
                   <a:tcPr marL="38100" marR="38100" marT="38100" marB="38100">
@@ -17625,7 +19226,7 @@
                   </a:ext>
                 </a:extLst>
               </a:tr>
-              <a:tr h="296455">
+              <a:tr h="355159">
                 <a:tc>
                   <a:txBody>
                     <a:bodyPr/>
@@ -17644,10 +19245,10 @@
                         <a:buNone/>
                       </a:pPr>
                       <a:r>
-                        <a:rPr lang="en" sz="800" b="1" dirty="0"/>
+                        <a:rPr lang="en" sz="1050" b="1" dirty="0"/>
                         <a:t>moving to target </a:t>
                       </a:r>
-                      <a:endParaRPr sz="800" b="1" dirty="0"/>
+                      <a:endParaRPr sz="1050" b="1" dirty="0"/>
                     </a:p>
                   </a:txBody>
                   <a:tcPr marL="38100" marR="38100" marT="38100" marB="38100">
@@ -17707,10 +19308,10 @@
                         <a:buNone/>
                       </a:pPr>
                       <a:r>
-                        <a:rPr lang="en" sz="800"/>
+                        <a:rPr lang="en" sz="1050"/>
                         <a:t>Q7590</a:t>
                       </a:r>
-                      <a:endParaRPr sz="800"/>
+                      <a:endParaRPr sz="1050"/>
                     </a:p>
                   </a:txBody>
                   <a:tcPr marL="38100" marR="38100" marT="38100" marB="38100">
@@ -17770,10 +19371,10 @@
                         <a:buNone/>
                       </a:pPr>
                       <a:r>
-                        <a:rPr lang="en" sz="800" dirty="0"/>
+                        <a:rPr lang="en" sz="1050" dirty="0"/>
                         <a:t> transport the bomb to the target</a:t>
                       </a:r>
-                      <a:endParaRPr sz="800" dirty="0"/>
+                      <a:endParaRPr sz="1050" dirty="0"/>
                     </a:p>
                   </a:txBody>
                   <a:tcPr marL="38100" marR="38100" marT="38100" marB="38100">
@@ -17821,7 +19422,7 @@
                   </a:ext>
                 </a:extLst>
               </a:tr>
-              <a:tr h="363100">
+              <a:tr h="374142">
                 <a:tc>
                   <a:txBody>
                     <a:bodyPr/>
@@ -17840,14 +19441,14 @@
                         <a:buNone/>
                       </a:pPr>
                       <a:r>
-                        <a:rPr lang="en" sz="800" b="1" dirty="0" err="1"/>
+                        <a:rPr lang="en" sz="1050" b="1" dirty="0" err="1"/>
                         <a:t>interefering</a:t>
                       </a:r>
                       <a:r>
-                        <a:rPr lang="en" sz="800" b="1" dirty="0"/>
+                        <a:rPr lang="en" sz="1050" b="1" dirty="0"/>
                         <a:t> to neutralize the IED </a:t>
                       </a:r>
-                      <a:endParaRPr sz="800" b="1" dirty="0"/>
+                      <a:endParaRPr sz="1050" b="1" dirty="0"/>
                     </a:p>
                   </a:txBody>
                   <a:tcPr marL="38100" marR="38100" marT="38100" marB="38100">
@@ -17907,10 +19508,10 @@
                         <a:buNone/>
                       </a:pPr>
                       <a:r>
-                        <a:rPr lang="en" sz="800"/>
+                        <a:rPr lang="en" sz="1050"/>
                         <a:t>Q16515105</a:t>
                       </a:r>
-                      <a:endParaRPr sz="800"/>
+                      <a:endParaRPr sz="1050"/>
                     </a:p>
                   </a:txBody>
                   <a:tcPr marL="38100" marR="38100" marT="38100" marB="38100">
@@ -17970,18 +19571,18 @@
                         <a:buNone/>
                       </a:pPr>
                       <a:r>
-                        <a:rPr lang="en" sz="800" dirty="0"/>
+                        <a:rPr lang="en" sz="1050" dirty="0"/>
                         <a:t> </a:t>
                       </a:r>
                       <a:r>
-                        <a:rPr lang="en" sz="800" dirty="0" err="1"/>
+                        <a:rPr lang="en" sz="1050" dirty="0" err="1"/>
                         <a:t>interefer</a:t>
                       </a:r>
                       <a:r>
-                        <a:rPr lang="en" sz="800" dirty="0"/>
+                        <a:rPr lang="en" sz="1050" dirty="0"/>
                         <a:t> the bombing</a:t>
                       </a:r>
-                      <a:endParaRPr sz="800" dirty="0"/>
+                      <a:endParaRPr sz="1050" dirty="0"/>
                     </a:p>
                   </a:txBody>
                   <a:tcPr marL="38100" marR="38100" marT="38100" marB="38100">
@@ -18029,7 +19630,7 @@
                   </a:ext>
                 </a:extLst>
               </a:tr>
-              <a:tr h="296455">
+              <a:tr h="305470">
                 <a:tc>
                   <a:txBody>
                     <a:bodyPr/>
@@ -18048,10 +19649,10 @@
                         <a:buNone/>
                       </a:pPr>
                       <a:r>
-                        <a:rPr lang="en" sz="800" b="1"/>
+                        <a:rPr lang="en" sz="1050" b="1"/>
                         <a:t>defusing the IED </a:t>
                       </a:r>
-                      <a:endParaRPr sz="800" b="1"/>
+                      <a:endParaRPr sz="1050" b="1"/>
                     </a:p>
                   </a:txBody>
                   <a:tcPr marL="38100" marR="38100" marT="38100" marB="38100">
@@ -18111,10 +19712,10 @@
                         <a:buNone/>
                       </a:pPr>
                       <a:r>
-                        <a:rPr lang="en" sz="800" dirty="0"/>
+                        <a:rPr lang="en" sz="1050" dirty="0"/>
                         <a:t>Q649416</a:t>
                       </a:r>
-                      <a:endParaRPr sz="800" dirty="0"/>
+                      <a:endParaRPr sz="1050" dirty="0"/>
                     </a:p>
                   </a:txBody>
                   <a:tcPr marL="38100" marR="38100" marT="38100" marB="38100">
@@ -18174,10 +19775,10 @@
                         <a:buNone/>
                       </a:pPr>
                       <a:r>
-                        <a:rPr lang="en" sz="800" dirty="0"/>
+                        <a:rPr lang="en" sz="1050" dirty="0"/>
                         <a:t> leave the bomb</a:t>
                       </a:r>
-                      <a:endParaRPr sz="800" dirty="0"/>
+                      <a:endParaRPr sz="1050" dirty="0"/>
                     </a:p>
                   </a:txBody>
                   <a:tcPr marL="38100" marR="38100" marT="38100" marB="38100">
@@ -18225,7 +19826,7 @@
                   </a:ext>
                 </a:extLst>
               </a:tr>
-              <a:tr h="296455">
+              <a:tr h="305470">
                 <a:tc>
                   <a:txBody>
                     <a:bodyPr/>
@@ -18244,10 +19845,10 @@
                         <a:buNone/>
                       </a:pPr>
                       <a:r>
-                        <a:rPr lang="en" sz="800" b="1"/>
+                        <a:rPr lang="en" sz="1050" b="1"/>
                         <a:t>IED detonates </a:t>
                       </a:r>
-                      <a:endParaRPr sz="800" b="1"/>
+                      <a:endParaRPr sz="1050" b="1"/>
                     </a:p>
                   </a:txBody>
                   <a:tcPr marL="38100" marR="38100" marT="38100" marB="38100">
@@ -18307,10 +19908,10 @@
                         <a:buNone/>
                       </a:pPr>
                       <a:r>
-                        <a:rPr lang="en" sz="800" dirty="0"/>
+                        <a:rPr lang="en" sz="1050" dirty="0"/>
                         <a:t>Q891854</a:t>
                       </a:r>
-                      <a:endParaRPr sz="800" dirty="0"/>
+                      <a:endParaRPr sz="1050" dirty="0"/>
                     </a:p>
                   </a:txBody>
                   <a:tcPr marL="38100" marR="38100" marT="38100" marB="38100">
@@ -18370,10 +19971,10 @@
                         <a:buNone/>
                       </a:pPr>
                       <a:r>
-                        <a:rPr lang="en" sz="800" dirty="0"/>
+                        <a:rPr lang="en" sz="1050" dirty="0"/>
                         <a:t> bomb attack starts</a:t>
                       </a:r>
-                      <a:endParaRPr sz="800" dirty="0"/>
+                      <a:endParaRPr sz="1050" dirty="0"/>
                     </a:p>
                   </a:txBody>
                   <a:tcPr marL="38100" marR="38100" marT="38100" marB="38100">
@@ -18421,7 +20022,7 @@
                   </a:ext>
                 </a:extLst>
               </a:tr>
-              <a:tr h="363029">
+              <a:tr h="374068">
                 <a:tc>
                   <a:txBody>
                     <a:bodyPr/>
@@ -18440,10 +20041,10 @@
                         <a:buNone/>
                       </a:pPr>
                       <a:r>
-                        <a:rPr lang="en" sz="800" b="1"/>
+                        <a:rPr lang="en" sz="1050" b="1"/>
                         <a:t>target destroyed </a:t>
                       </a:r>
-                      <a:endParaRPr sz="800" b="1"/>
+                      <a:endParaRPr sz="1050" b="1"/>
                     </a:p>
                   </a:txBody>
                   <a:tcPr marL="38100" marR="38100" marT="38100" marB="38100">
@@ -18503,10 +20104,10 @@
                         <a:buNone/>
                       </a:pPr>
                       <a:r>
-                        <a:rPr lang="en" sz="800"/>
+                        <a:rPr lang="en" sz="1050"/>
                         <a:t>Q17781833</a:t>
                       </a:r>
-                      <a:endParaRPr sz="800"/>
+                      <a:endParaRPr sz="1050"/>
                     </a:p>
                   </a:txBody>
                   <a:tcPr marL="38100" marR="38100" marT="38100" marB="38100">
@@ -18566,10 +20167,10 @@
                         <a:buNone/>
                       </a:pPr>
                       <a:r>
-                        <a:rPr lang="en" sz="800" dirty="0"/>
+                        <a:rPr lang="en" sz="1050" dirty="0"/>
                         <a:t> destruction of the target</a:t>
                       </a:r>
-                      <a:endParaRPr sz="800" dirty="0"/>
+                      <a:endParaRPr sz="1050" dirty="0"/>
                     </a:p>
                   </a:txBody>
                   <a:tcPr marL="38100" marR="38100" marT="38100" marB="38100">
@@ -18617,7 +20218,7 @@
                   </a:ext>
                 </a:extLst>
               </a:tr>
-              <a:tr h="296455">
+              <a:tr h="305470">
                 <a:tc>
                   <a:txBody>
                     <a:bodyPr/>
@@ -18636,10 +20237,10 @@
                         <a:buNone/>
                       </a:pPr>
                       <a:r>
-                        <a:rPr lang="en" sz="800" b="1"/>
+                        <a:rPr lang="en" sz="1050" b="1"/>
                         <a:t>target damaged </a:t>
                       </a:r>
-                      <a:endParaRPr sz="800" b="1"/>
+                      <a:endParaRPr sz="1050" b="1"/>
                     </a:p>
                   </a:txBody>
                   <a:tcPr marL="38100" marR="38100" marT="38100" marB="38100">
@@ -18699,10 +20300,10 @@
                         <a:buNone/>
                       </a:pPr>
                       <a:r>
-                        <a:rPr lang="en" sz="800"/>
+                        <a:rPr lang="en" sz="1050"/>
                         <a:t>Q481609</a:t>
                       </a:r>
-                      <a:endParaRPr sz="800"/>
+                      <a:endParaRPr sz="1050"/>
                     </a:p>
                   </a:txBody>
                   <a:tcPr marL="38100" marR="38100" marT="38100" marB="38100">
@@ -18762,10 +20363,10 @@
                         <a:buNone/>
                       </a:pPr>
                       <a:r>
-                        <a:rPr lang="en" sz="800" dirty="0"/>
+                        <a:rPr lang="en" sz="1050" dirty="0"/>
                         <a:t> damage of the target</a:t>
                       </a:r>
-                      <a:endParaRPr sz="800" dirty="0"/>
+                      <a:endParaRPr sz="1050" dirty="0"/>
                     </a:p>
                   </a:txBody>
                   <a:tcPr marL="38100" marR="38100" marT="38100" marB="38100">
@@ -18813,7 +20414,7 @@
                   </a:ext>
                 </a:extLst>
               </a:tr>
-              <a:tr h="296455">
+              <a:tr h="305470">
                 <a:tc>
                   <a:txBody>
                     <a:bodyPr/>
@@ -18832,10 +20433,10 @@
                         <a:buNone/>
                       </a:pPr>
                       <a:r>
-                        <a:rPr lang="en" sz="800" b="1"/>
+                        <a:rPr lang="en" sz="1050" b="1"/>
                         <a:t>victims injured </a:t>
                       </a:r>
-                      <a:endParaRPr sz="800" b="1"/>
+                      <a:endParaRPr sz="1050" b="1"/>
                     </a:p>
                   </a:txBody>
                   <a:tcPr marL="38100" marR="38100" marT="38100" marB="38100">
@@ -18895,10 +20496,10 @@
                         <a:buNone/>
                       </a:pPr>
                       <a:r>
-                        <a:rPr lang="en" sz="800"/>
+                        <a:rPr lang="en" sz="1050"/>
                         <a:t>Q193078</a:t>
                       </a:r>
-                      <a:endParaRPr sz="800"/>
+                      <a:endParaRPr sz="1050"/>
                     </a:p>
                   </a:txBody>
                   <a:tcPr marL="38100" marR="38100" marT="38100" marB="38100">
@@ -18958,10 +20559,10 @@
                         <a:buNone/>
                       </a:pPr>
                       <a:r>
-                        <a:rPr lang="en" sz="800" dirty="0"/>
+                        <a:rPr lang="en" sz="1050" dirty="0"/>
                         <a:t> injury of victims</a:t>
                       </a:r>
-                      <a:endParaRPr sz="800" dirty="0"/>
+                      <a:endParaRPr sz="1050" dirty="0"/>
                     </a:p>
                   </a:txBody>
                   <a:tcPr marL="38100" marR="38100" marT="38100" marB="38100">
@@ -19009,7 +20610,7 @@
                   </a:ext>
                 </a:extLst>
               </a:tr>
-              <a:tr h="296455">
+              <a:tr h="305470">
                 <a:tc>
                   <a:txBody>
                     <a:bodyPr/>
@@ -19028,10 +20629,10 @@
                         <a:buNone/>
                       </a:pPr>
                       <a:r>
-                        <a:rPr lang="en" sz="800" b="1"/>
+                        <a:rPr lang="en" sz="1050" b="1"/>
                         <a:t>victims die </a:t>
                       </a:r>
-                      <a:endParaRPr sz="800" b="1"/>
+                      <a:endParaRPr sz="1050" b="1"/>
                     </a:p>
                   </a:txBody>
                   <a:tcPr marL="38100" marR="38100" marT="38100" marB="38100">
@@ -19091,10 +20692,10 @@
                         <a:buNone/>
                       </a:pPr>
                       <a:r>
-                        <a:rPr lang="en" sz="800"/>
+                        <a:rPr lang="en" sz="1050"/>
                         <a:t>Q4</a:t>
                       </a:r>
-                      <a:endParaRPr sz="800"/>
+                      <a:endParaRPr sz="1050"/>
                     </a:p>
                   </a:txBody>
                   <a:tcPr marL="38100" marR="38100" marT="38100" marB="38100">
@@ -19154,10 +20755,10 @@
                         <a:buNone/>
                       </a:pPr>
                       <a:r>
-                        <a:rPr lang="en" sz="800" dirty="0"/>
+                        <a:rPr lang="en" sz="1050" dirty="0"/>
                         <a:t> death of victims</a:t>
                       </a:r>
-                      <a:endParaRPr sz="800" dirty="0"/>
+                      <a:endParaRPr sz="1050" dirty="0"/>
                     </a:p>
                   </a:txBody>
                   <a:tcPr marL="38100" marR="38100" marT="38100" marB="38100">
@@ -19205,7 +20806,7 @@
                   </a:ext>
                 </a:extLst>
               </a:tr>
-              <a:tr h="363100">
+              <a:tr h="374142">
                 <a:tc>
                   <a:txBody>
                     <a:bodyPr/>
@@ -19224,14 +20825,14 @@
                         <a:buNone/>
                       </a:pPr>
                       <a:r>
-                        <a:rPr lang="en" sz="800" b="1" dirty="0" err="1"/>
+                        <a:rPr lang="en" sz="1050" b="1" dirty="0" err="1"/>
                         <a:t>interefering</a:t>
                       </a:r>
                       <a:r>
-                        <a:rPr lang="en" sz="800" b="1" dirty="0"/>
+                        <a:rPr lang="en" sz="1050" b="1" dirty="0"/>
                         <a:t> to defuse more potential IEDs </a:t>
                       </a:r>
-                      <a:endParaRPr sz="800" b="1" dirty="0"/>
+                      <a:endParaRPr sz="1050" b="1" dirty="0"/>
                     </a:p>
                   </a:txBody>
                   <a:tcPr marL="38100" marR="38100" marT="38100" marB="38100">
@@ -19291,10 +20892,10 @@
                         <a:buNone/>
                       </a:pPr>
                       <a:r>
-                        <a:rPr lang="en" sz="800" dirty="0"/>
+                        <a:rPr lang="en" sz="1050" dirty="0"/>
                         <a:t>Q16515105</a:t>
                       </a:r>
-                      <a:endParaRPr sz="800" dirty="0"/>
+                      <a:endParaRPr sz="1050" dirty="0"/>
                     </a:p>
                   </a:txBody>
                   <a:tcPr marL="38100" marR="38100" marT="38100" marB="38100">
@@ -19354,18 +20955,18 @@
                         <a:buNone/>
                       </a:pPr>
                       <a:r>
-                        <a:rPr lang="en" sz="800" dirty="0"/>
+                        <a:rPr lang="en" sz="1050" dirty="0"/>
                         <a:t> </a:t>
                       </a:r>
                       <a:r>
-                        <a:rPr lang="en" sz="800" dirty="0" err="1"/>
+                        <a:rPr lang="en" sz="1050" dirty="0" err="1"/>
                         <a:t>interefer</a:t>
                       </a:r>
                       <a:r>
-                        <a:rPr lang="en" sz="800" dirty="0"/>
+                        <a:rPr lang="en" sz="1050" dirty="0"/>
                         <a:t> other remaining bombs</a:t>
                       </a:r>
-                      <a:endParaRPr sz="800" dirty="0"/>
+                      <a:endParaRPr sz="1050" dirty="0"/>
                     </a:p>
                   </a:txBody>
                   <a:tcPr marL="38100" marR="38100" marT="38100" marB="38100">
@@ -19413,7 +21014,7 @@
                   </a:ext>
                 </a:extLst>
               </a:tr>
-              <a:tr h="296455">
+              <a:tr h="305470">
                 <a:tc>
                   <a:txBody>
                     <a:bodyPr/>
@@ -19432,10 +21033,10 @@
                         <a:buNone/>
                       </a:pPr>
                       <a:r>
-                        <a:rPr lang="en" sz="800" b="1" dirty="0"/>
+                        <a:rPr lang="en" sz="1050" b="1" dirty="0"/>
                         <a:t>Investigation begins </a:t>
                       </a:r>
-                      <a:endParaRPr sz="800" b="1" dirty="0"/>
+                      <a:endParaRPr sz="1050" b="1" dirty="0"/>
                     </a:p>
                   </a:txBody>
                   <a:tcPr marL="38100" marR="38100" marT="38100" marB="38100">
@@ -19495,10 +21096,10 @@
                         <a:buNone/>
                       </a:pPr>
                       <a:r>
-                        <a:rPr lang="en" sz="800" dirty="0"/>
+                        <a:rPr lang="en" sz="1050" dirty="0"/>
                         <a:t>Q1964968</a:t>
                       </a:r>
-                      <a:endParaRPr sz="800" dirty="0"/>
+                      <a:endParaRPr sz="1050" dirty="0"/>
                     </a:p>
                   </a:txBody>
                   <a:tcPr marL="38100" marR="38100" marT="38100" marB="38100">
@@ -19558,10 +21159,10 @@
                         <a:buNone/>
                       </a:pPr>
                       <a:r>
-                        <a:rPr lang="en" sz="800" dirty="0"/>
+                        <a:rPr lang="en" sz="1050" dirty="0"/>
                         <a:t> criminal investigation</a:t>
                       </a:r>
-                      <a:endParaRPr sz="800" dirty="0"/>
+                      <a:endParaRPr sz="1050" dirty="0"/>
                     </a:p>
                   </a:txBody>
                   <a:tcPr marL="38100" marR="38100" marT="38100" marB="38100">
@@ -29972,7 +31573,7 @@
           <p:cNvPr id="2" name="Title 1">
             <a:extLst>
               <a:ext uri="{FF2B5EF4-FFF2-40B4-BE49-F238E27FC236}">
-                <a16:creationId xmlns:a16="http://schemas.microsoft.com/office/drawing/2014/main" id="{26684D29-AC3A-F349-9536-A20F9F6FC579}"/>
+                <a16:creationId xmlns:a16="http://schemas.microsoft.com/office/drawing/2014/main" id="{F3FA0077-A45A-0648-B83E-1D92FD292819}"/>
               </a:ext>
             </a:extLst>
           </p:cNvPr>
@@ -29992,17 +31593,42 @@
           <a:p>
             <a:r>
               <a:rPr lang="en-US" dirty="0"/>
-              <a:t>Car-bombing IED Schema Part 1</a:t>
+              <a:t>Car IED</a:t>
             </a:r>
+          </a:p>
+        </p:txBody>
+      </p:sp>
+      <p:sp>
+        <p:nvSpPr>
+          <p:cNvPr id="3" name="Text Placeholder 2">
+            <a:extLst>
+              <a:ext uri="{FF2B5EF4-FFF2-40B4-BE49-F238E27FC236}">
+                <a16:creationId xmlns:a16="http://schemas.microsoft.com/office/drawing/2014/main" id="{54AF2759-2D41-BF4D-9872-2D10115B832B}"/>
+              </a:ext>
+            </a:extLst>
+          </p:cNvPr>
+          <p:cNvSpPr>
+            <a:spLocks noGrp="1"/>
+          </p:cNvSpPr>
+          <p:nvPr>
+            <p:ph type="body" idx="1"/>
+          </p:nvPr>
+        </p:nvSpPr>
+        <p:spPr/>
+        <p:txBody>
+          <a:bodyPr/>
+          <a:lstStyle/>
+          <a:p>
+            <a:endParaRPr lang="en-US"/>
           </a:p>
         </p:txBody>
       </p:sp>
       <p:pic>
         <p:nvPicPr>
-          <p:cNvPr id="5" name="Picture 4" descr="Diagram&#10;&#10;Description automatically generated">
+          <p:cNvPr id="5" name="Picture 4" descr="Chart, radar chart&#10;&#10;Description automatically generated">
             <a:extLst>
               <a:ext uri="{FF2B5EF4-FFF2-40B4-BE49-F238E27FC236}">
-                <a16:creationId xmlns:a16="http://schemas.microsoft.com/office/drawing/2014/main" id="{98C9ED1A-3505-314F-A247-C9C3185BF8E8}"/>
+                <a16:creationId xmlns:a16="http://schemas.microsoft.com/office/drawing/2014/main" id="{760A0464-CE22-7E4E-8733-1FD4DA65574F}"/>
               </a:ext>
             </a:extLst>
           </p:cNvPr>
@@ -30019,1177 +31645,18 @@
         </p:blipFill>
         <p:spPr>
           <a:xfrm>
-            <a:off x="210100" y="2390148"/>
-            <a:ext cx="5225998" cy="2675711"/>
+            <a:off x="0" y="1152475"/>
+            <a:ext cx="9144000" cy="3297191"/>
           </a:xfrm>
           <a:prstGeom prst="rect">
             <a:avLst/>
           </a:prstGeom>
         </p:spPr>
       </p:pic>
-      <p:graphicFrame>
-        <p:nvGraphicFramePr>
-          <p:cNvPr id="6" name="Table 5">
-            <a:extLst>
-              <a:ext uri="{FF2B5EF4-FFF2-40B4-BE49-F238E27FC236}">
-                <a16:creationId xmlns:a16="http://schemas.microsoft.com/office/drawing/2014/main" id="{3B1B5177-DCC1-9B4A-BFCF-0A9691780C16}"/>
-              </a:ext>
-            </a:extLst>
-          </p:cNvPr>
-          <p:cNvGraphicFramePr>
-            <a:graphicFrameLocks noGrp="1"/>
-          </p:cNvGraphicFramePr>
-          <p:nvPr>
-            <p:extLst>
-              <p:ext uri="{D42A27DB-BD31-4B8C-83A1-F6EECF244321}">
-                <p14:modId xmlns:p14="http://schemas.microsoft.com/office/powerpoint/2010/main" val="477098160"/>
-              </p:ext>
-            </p:extLst>
-          </p:nvPr>
-        </p:nvGraphicFramePr>
-        <p:xfrm>
-          <a:off x="311700" y="1038618"/>
-          <a:ext cx="8167281" cy="1533132"/>
-        </p:xfrm>
-        <a:graphic>
-          <a:graphicData uri="http://schemas.openxmlformats.org/drawingml/2006/table">
-            <a:tbl>
-              <a:tblPr/>
-              <a:tblGrid>
-                <a:gridCol w="3235064">
-                  <a:extLst>
-                    <a:ext uri="{9D8B030D-6E8A-4147-A177-3AD203B41FA5}">
-                      <a16:colId xmlns:a16="http://schemas.microsoft.com/office/drawing/2014/main" val="231515486"/>
-                    </a:ext>
-                  </a:extLst>
-                </a:gridCol>
-                <a:gridCol w="1413163">
-                  <a:extLst>
-                    <a:ext uri="{9D8B030D-6E8A-4147-A177-3AD203B41FA5}">
-                      <a16:colId xmlns:a16="http://schemas.microsoft.com/office/drawing/2014/main" val="1031084978"/>
-                    </a:ext>
-                  </a:extLst>
-                </a:gridCol>
-                <a:gridCol w="3519054">
-                  <a:extLst>
-                    <a:ext uri="{9D8B030D-6E8A-4147-A177-3AD203B41FA5}">
-                      <a16:colId xmlns:a16="http://schemas.microsoft.com/office/drawing/2014/main" val="3851067211"/>
-                    </a:ext>
-                  </a:extLst>
-                </a:gridCol>
-              </a:tblGrid>
-              <a:tr h="279500">
-                <a:tc>
-                  <a:txBody>
-                    <a:bodyPr/>
-                    <a:lstStyle/>
-                    <a:p>
-                      <a:r>
-                        <a:rPr lang="en-US" sz="1100" b="1" dirty="0">
-                          <a:solidFill>
-                            <a:srgbClr val="000000"/>
-                          </a:solidFill>
-                          <a:effectLst/>
-                          <a:latin typeface="Helvetica Neue" panose="02000503000000020004" pitchFamily="2" charset="0"/>
-                        </a:rPr>
-                        <a:t>Learn bomb manufacturing </a:t>
-                      </a:r>
-                      <a:endParaRPr lang="en-US" sz="1100" b="1" dirty="0">
-                        <a:effectLst/>
-                      </a:endParaRPr>
-                    </a:p>
-                  </a:txBody>
-                  <a:tcPr marL="8189" marR="8189" marT="8189" marB="8189">
-                    <a:lnL w="9525" cap="flat" cmpd="sng" algn="ctr">
-                      <a:solidFill>
-                        <a:srgbClr val="000000"/>
-                      </a:solidFill>
-                      <a:prstDash val="solid"/>
-                      <a:round/>
-                      <a:headEnd type="none" w="med" len="med"/>
-                      <a:tailEnd type="none" w="med" len="med"/>
-                    </a:lnL>
-                    <a:lnR w="9525" cap="flat" cmpd="sng" algn="ctr">
-                      <a:solidFill>
-                        <a:srgbClr val="000000"/>
-                      </a:solidFill>
-                      <a:prstDash val="solid"/>
-                      <a:round/>
-                      <a:headEnd type="none" w="med" len="med"/>
-                      <a:tailEnd type="none" w="med" len="med"/>
-                    </a:lnR>
-                    <a:lnT w="9525" cap="flat" cmpd="sng" algn="ctr">
-                      <a:solidFill>
-                        <a:srgbClr val="000000"/>
-                      </a:solidFill>
-                      <a:prstDash val="solid"/>
-                      <a:round/>
-                      <a:headEnd type="none" w="med" len="med"/>
-                      <a:tailEnd type="none" w="med" len="med"/>
-                    </a:lnT>
-                    <a:lnB w="9525" cap="flat" cmpd="sng" algn="ctr">
-                      <a:solidFill>
-                        <a:srgbClr val="000000"/>
-                      </a:solidFill>
-                      <a:prstDash val="solid"/>
-                      <a:round/>
-                      <a:headEnd type="none" w="med" len="med"/>
-                      <a:tailEnd type="none" w="med" len="med"/>
-                    </a:lnB>
-                  </a:tcPr>
-                </a:tc>
-                <a:tc>
-                  <a:txBody>
-                    <a:bodyPr/>
-                    <a:lstStyle/>
-                    <a:p>
-                      <a:r>
-                        <a:rPr lang="en-US" sz="1100">
-                          <a:solidFill>
-                            <a:srgbClr val="000000"/>
-                          </a:solidFill>
-                          <a:effectLst/>
-                          <a:latin typeface="Helvetica Neue" panose="02000503000000020004" pitchFamily="2" charset="0"/>
-                        </a:rPr>
-                        <a:t>Q8434</a:t>
-                      </a:r>
-                      <a:endParaRPr lang="en-US" sz="1100">
-                        <a:effectLst/>
-                      </a:endParaRPr>
-                    </a:p>
-                  </a:txBody>
-                  <a:tcPr marL="8189" marR="8189" marT="8189" marB="8189">
-                    <a:lnL w="9525" cap="flat" cmpd="sng" algn="ctr">
-                      <a:solidFill>
-                        <a:srgbClr val="000000"/>
-                      </a:solidFill>
-                      <a:prstDash val="solid"/>
-                      <a:round/>
-                      <a:headEnd type="none" w="med" len="med"/>
-                      <a:tailEnd type="none" w="med" len="med"/>
-                    </a:lnL>
-                    <a:lnR w="9525" cap="flat" cmpd="sng" algn="ctr">
-                      <a:solidFill>
-                        <a:srgbClr val="000000"/>
-                      </a:solidFill>
-                      <a:prstDash val="solid"/>
-                      <a:round/>
-                      <a:headEnd type="none" w="med" len="med"/>
-                      <a:tailEnd type="none" w="med" len="med"/>
-                    </a:lnR>
-                    <a:lnT w="9525" cap="flat" cmpd="sng" algn="ctr">
-                      <a:solidFill>
-                        <a:srgbClr val="000000"/>
-                      </a:solidFill>
-                      <a:prstDash val="solid"/>
-                      <a:round/>
-                      <a:headEnd type="none" w="med" len="med"/>
-                      <a:tailEnd type="none" w="med" len="med"/>
-                    </a:lnT>
-                    <a:lnB w="9525" cap="flat" cmpd="sng" algn="ctr">
-                      <a:solidFill>
-                        <a:srgbClr val="000000"/>
-                      </a:solidFill>
-                      <a:prstDash val="solid"/>
-                      <a:round/>
-                      <a:headEnd type="none" w="med" len="med"/>
-                      <a:tailEnd type="none" w="med" len="med"/>
-                    </a:lnB>
-                  </a:tcPr>
-                </a:tc>
-                <a:tc>
-                  <a:txBody>
-                    <a:bodyPr/>
-                    <a:lstStyle/>
-                    <a:p>
-                      <a:r>
-                        <a:rPr lang="en-US" sz="1100" dirty="0">
-                          <a:solidFill>
-                            <a:srgbClr val="000000"/>
-                          </a:solidFill>
-                          <a:effectLst/>
-                          <a:latin typeface="Helvetica Neue" panose="02000503000000020004" pitchFamily="2" charset="0"/>
-                        </a:rPr>
-                        <a:t> learn about bomb making</a:t>
-                      </a:r>
-                      <a:endParaRPr lang="en-US" sz="1100" dirty="0">
-                        <a:effectLst/>
-                      </a:endParaRPr>
-                    </a:p>
-                  </a:txBody>
-                  <a:tcPr marL="8189" marR="8189" marT="8189" marB="8189">
-                    <a:lnL w="9525" cap="flat" cmpd="sng" algn="ctr">
-                      <a:solidFill>
-                        <a:srgbClr val="000000"/>
-                      </a:solidFill>
-                      <a:prstDash val="solid"/>
-                      <a:round/>
-                      <a:headEnd type="none" w="med" len="med"/>
-                      <a:tailEnd type="none" w="med" len="med"/>
-                    </a:lnL>
-                    <a:lnR w="9525" cap="flat" cmpd="sng" algn="ctr">
-                      <a:solidFill>
-                        <a:srgbClr val="000000"/>
-                      </a:solidFill>
-                      <a:prstDash val="solid"/>
-                      <a:round/>
-                      <a:headEnd type="none" w="med" len="med"/>
-                      <a:tailEnd type="none" w="med" len="med"/>
-                    </a:lnR>
-                    <a:lnT w="9525" cap="flat" cmpd="sng" algn="ctr">
-                      <a:solidFill>
-                        <a:srgbClr val="000000"/>
-                      </a:solidFill>
-                      <a:prstDash val="solid"/>
-                      <a:round/>
-                      <a:headEnd type="none" w="med" len="med"/>
-                      <a:tailEnd type="none" w="med" len="med"/>
-                    </a:lnT>
-                    <a:lnB w="9525" cap="flat" cmpd="sng" algn="ctr">
-                      <a:solidFill>
-                        <a:srgbClr val="000000"/>
-                      </a:solidFill>
-                      <a:prstDash val="solid"/>
-                      <a:round/>
-                      <a:headEnd type="none" w="med" len="med"/>
-                      <a:tailEnd type="none" w="med" len="med"/>
-                    </a:lnB>
-                  </a:tcPr>
-                </a:tc>
-                <a:extLst>
-                  <a:ext uri="{0D108BD9-81ED-4DB2-BD59-A6C34878D82A}">
-                    <a16:rowId xmlns:a16="http://schemas.microsoft.com/office/drawing/2014/main" val="2956688501"/>
-                  </a:ext>
-                </a:extLst>
-              </a:tr>
-              <a:tr h="231544">
-                <a:tc>
-                  <a:txBody>
-                    <a:bodyPr/>
-                    <a:lstStyle/>
-                    <a:p>
-                      <a:r>
-                        <a:rPr lang="en-US" sz="1100" b="1" dirty="0">
-                          <a:solidFill>
-                            <a:srgbClr val="000000"/>
-                          </a:solidFill>
-                          <a:effectLst/>
-                          <a:latin typeface="Helvetica Neue" panose="02000503000000020004" pitchFamily="2" charset="0"/>
-                        </a:rPr>
-                        <a:t>Get explosives </a:t>
-                      </a:r>
-                      <a:endParaRPr lang="en-US" sz="1100" b="1" dirty="0">
-                        <a:effectLst/>
-                      </a:endParaRPr>
-                    </a:p>
-                  </a:txBody>
-                  <a:tcPr marL="8189" marR="8189" marT="8189" marB="8189">
-                    <a:lnL w="9525" cap="flat" cmpd="sng" algn="ctr">
-                      <a:solidFill>
-                        <a:srgbClr val="000000"/>
-                      </a:solidFill>
-                      <a:prstDash val="solid"/>
-                      <a:round/>
-                      <a:headEnd type="none" w="med" len="med"/>
-                      <a:tailEnd type="none" w="med" len="med"/>
-                    </a:lnL>
-                    <a:lnR w="9525" cap="flat" cmpd="sng" algn="ctr">
-                      <a:solidFill>
-                        <a:srgbClr val="000000"/>
-                      </a:solidFill>
-                      <a:prstDash val="solid"/>
-                      <a:round/>
-                      <a:headEnd type="none" w="med" len="med"/>
-                      <a:tailEnd type="none" w="med" len="med"/>
-                    </a:lnR>
-                    <a:lnT w="9525" cap="flat" cmpd="sng" algn="ctr">
-                      <a:solidFill>
-                        <a:srgbClr val="000000"/>
-                      </a:solidFill>
-                      <a:prstDash val="solid"/>
-                      <a:round/>
-                      <a:headEnd type="none" w="med" len="med"/>
-                      <a:tailEnd type="none" w="med" len="med"/>
-                    </a:lnT>
-                    <a:lnB w="9525" cap="flat" cmpd="sng" algn="ctr">
-                      <a:solidFill>
-                        <a:srgbClr val="000000"/>
-                      </a:solidFill>
-                      <a:prstDash val="solid"/>
-                      <a:round/>
-                      <a:headEnd type="none" w="med" len="med"/>
-                      <a:tailEnd type="none" w="med" len="med"/>
-                    </a:lnB>
-                  </a:tcPr>
-                </a:tc>
-                <a:tc>
-                  <a:txBody>
-                    <a:bodyPr/>
-                    <a:lstStyle/>
-                    <a:p>
-                      <a:r>
-                        <a:rPr lang="en-US" sz="1100">
-                          <a:solidFill>
-                            <a:srgbClr val="000000"/>
-                          </a:solidFill>
-                          <a:effectLst/>
-                          <a:latin typeface="Helvetica Neue" panose="02000503000000020004" pitchFamily="2" charset="0"/>
-                        </a:rPr>
-                        <a:t>Q21651837</a:t>
-                      </a:r>
-                      <a:endParaRPr lang="en-US" sz="1100">
-                        <a:effectLst/>
-                      </a:endParaRPr>
-                    </a:p>
-                  </a:txBody>
-                  <a:tcPr marL="8189" marR="8189" marT="8189" marB="8189">
-                    <a:lnL w="9525" cap="flat" cmpd="sng" algn="ctr">
-                      <a:solidFill>
-                        <a:srgbClr val="000000"/>
-                      </a:solidFill>
-                      <a:prstDash val="solid"/>
-                      <a:round/>
-                      <a:headEnd type="none" w="med" len="med"/>
-                      <a:tailEnd type="none" w="med" len="med"/>
-                    </a:lnL>
-                    <a:lnR w="9525" cap="flat" cmpd="sng" algn="ctr">
-                      <a:solidFill>
-                        <a:srgbClr val="000000"/>
-                      </a:solidFill>
-                      <a:prstDash val="solid"/>
-                      <a:round/>
-                      <a:headEnd type="none" w="med" len="med"/>
-                      <a:tailEnd type="none" w="med" len="med"/>
-                    </a:lnR>
-                    <a:lnT w="9525" cap="flat" cmpd="sng" algn="ctr">
-                      <a:solidFill>
-                        <a:srgbClr val="000000"/>
-                      </a:solidFill>
-                      <a:prstDash val="solid"/>
-                      <a:round/>
-                      <a:headEnd type="none" w="med" len="med"/>
-                      <a:tailEnd type="none" w="med" len="med"/>
-                    </a:lnT>
-                    <a:lnB w="9525" cap="flat" cmpd="sng" algn="ctr">
-                      <a:solidFill>
-                        <a:srgbClr val="000000"/>
-                      </a:solidFill>
-                      <a:prstDash val="solid"/>
-                      <a:round/>
-                      <a:headEnd type="none" w="med" len="med"/>
-                      <a:tailEnd type="none" w="med" len="med"/>
-                    </a:lnB>
-                  </a:tcPr>
-                </a:tc>
-                <a:tc>
-                  <a:txBody>
-                    <a:bodyPr/>
-                    <a:lstStyle/>
-                    <a:p>
-                      <a:r>
-                        <a:rPr lang="en-US" sz="1100" dirty="0">
-                          <a:solidFill>
-                            <a:srgbClr val="000000"/>
-                          </a:solidFill>
-                          <a:effectLst/>
-                          <a:latin typeface="Helvetica Neue" panose="02000503000000020004" pitchFamily="2" charset="0"/>
-                        </a:rPr>
-                        <a:t> buy the materials to make the bomb</a:t>
-                      </a:r>
-                      <a:endParaRPr lang="en-US" sz="1100" dirty="0">
-                        <a:effectLst/>
-                      </a:endParaRPr>
-                    </a:p>
-                  </a:txBody>
-                  <a:tcPr marL="8189" marR="8189" marT="8189" marB="8189">
-                    <a:lnL w="9525" cap="flat" cmpd="sng" algn="ctr">
-                      <a:solidFill>
-                        <a:srgbClr val="000000"/>
-                      </a:solidFill>
-                      <a:prstDash val="solid"/>
-                      <a:round/>
-                      <a:headEnd type="none" w="med" len="med"/>
-                      <a:tailEnd type="none" w="med" len="med"/>
-                    </a:lnL>
-                    <a:lnR w="9525" cap="flat" cmpd="sng" algn="ctr">
-                      <a:solidFill>
-                        <a:srgbClr val="000000"/>
-                      </a:solidFill>
-                      <a:prstDash val="solid"/>
-                      <a:round/>
-                      <a:headEnd type="none" w="med" len="med"/>
-                      <a:tailEnd type="none" w="med" len="med"/>
-                    </a:lnR>
-                    <a:lnT w="9525" cap="flat" cmpd="sng" algn="ctr">
-                      <a:solidFill>
-                        <a:srgbClr val="000000"/>
-                      </a:solidFill>
-                      <a:prstDash val="solid"/>
-                      <a:round/>
-                      <a:headEnd type="none" w="med" len="med"/>
-                      <a:tailEnd type="none" w="med" len="med"/>
-                    </a:lnT>
-                    <a:lnB w="9525" cap="flat" cmpd="sng" algn="ctr">
-                      <a:solidFill>
-                        <a:srgbClr val="000000"/>
-                      </a:solidFill>
-                      <a:prstDash val="solid"/>
-                      <a:round/>
-                      <a:headEnd type="none" w="med" len="med"/>
-                      <a:tailEnd type="none" w="med" len="med"/>
-                    </a:lnB>
-                  </a:tcPr>
-                </a:tc>
-                <a:extLst>
-                  <a:ext uri="{0D108BD9-81ED-4DB2-BD59-A6C34878D82A}">
-                    <a16:rowId xmlns:a16="http://schemas.microsoft.com/office/drawing/2014/main" val="330456959"/>
-                  </a:ext>
-                </a:extLst>
-              </a:tr>
-              <a:tr h="231544">
-                <a:tc>
-                  <a:txBody>
-                    <a:bodyPr/>
-                    <a:lstStyle/>
-                    <a:p>
-                      <a:r>
-                        <a:rPr lang="en-US" sz="1100" b="1" dirty="0">
-                          <a:solidFill>
-                            <a:srgbClr val="000000"/>
-                          </a:solidFill>
-                          <a:effectLst/>
-                          <a:latin typeface="Helvetica Neue" panose="02000503000000020004" pitchFamily="2" charset="0"/>
-                        </a:rPr>
-                        <a:t>Get car </a:t>
-                      </a:r>
-                      <a:endParaRPr lang="en-US" sz="1100" b="1" dirty="0">
-                        <a:effectLst/>
-                      </a:endParaRPr>
-                    </a:p>
-                  </a:txBody>
-                  <a:tcPr marL="8189" marR="8189" marT="8189" marB="8189">
-                    <a:lnL w="9525" cap="flat" cmpd="sng" algn="ctr">
-                      <a:solidFill>
-                        <a:srgbClr val="000000"/>
-                      </a:solidFill>
-                      <a:prstDash val="solid"/>
-                      <a:round/>
-                      <a:headEnd type="none" w="med" len="med"/>
-                      <a:tailEnd type="none" w="med" len="med"/>
-                    </a:lnL>
-                    <a:lnR w="9525" cap="flat" cmpd="sng" algn="ctr">
-                      <a:solidFill>
-                        <a:srgbClr val="000000"/>
-                      </a:solidFill>
-                      <a:prstDash val="solid"/>
-                      <a:round/>
-                      <a:headEnd type="none" w="med" len="med"/>
-                      <a:tailEnd type="none" w="med" len="med"/>
-                    </a:lnR>
-                    <a:lnT w="9525" cap="flat" cmpd="sng" algn="ctr">
-                      <a:solidFill>
-                        <a:srgbClr val="000000"/>
-                      </a:solidFill>
-                      <a:prstDash val="solid"/>
-                      <a:round/>
-                      <a:headEnd type="none" w="med" len="med"/>
-                      <a:tailEnd type="none" w="med" len="med"/>
-                    </a:lnT>
-                    <a:lnB w="9525" cap="flat" cmpd="sng" algn="ctr">
-                      <a:solidFill>
-                        <a:srgbClr val="000000"/>
-                      </a:solidFill>
-                      <a:prstDash val="solid"/>
-                      <a:round/>
-                      <a:headEnd type="none" w="med" len="med"/>
-                      <a:tailEnd type="none" w="med" len="med"/>
-                    </a:lnB>
-                  </a:tcPr>
-                </a:tc>
-                <a:tc>
-                  <a:txBody>
-                    <a:bodyPr/>
-                    <a:lstStyle/>
-                    <a:p>
-                      <a:r>
-                        <a:rPr lang="en-US" sz="1100">
-                          <a:solidFill>
-                            <a:srgbClr val="000000"/>
-                          </a:solidFill>
-                          <a:effectLst/>
-                          <a:latin typeface="Helvetica Neue" panose="02000503000000020004" pitchFamily="2" charset="0"/>
-                        </a:rPr>
-                        <a:t>Q21651837</a:t>
-                      </a:r>
-                      <a:endParaRPr lang="en-US" sz="1100">
-                        <a:effectLst/>
-                      </a:endParaRPr>
-                    </a:p>
-                  </a:txBody>
-                  <a:tcPr marL="8189" marR="8189" marT="8189" marB="8189">
-                    <a:lnL w="9525" cap="flat" cmpd="sng" algn="ctr">
-                      <a:solidFill>
-                        <a:srgbClr val="000000"/>
-                      </a:solidFill>
-                      <a:prstDash val="solid"/>
-                      <a:round/>
-                      <a:headEnd type="none" w="med" len="med"/>
-                      <a:tailEnd type="none" w="med" len="med"/>
-                    </a:lnL>
-                    <a:lnR w="9525" cap="flat" cmpd="sng" algn="ctr">
-                      <a:solidFill>
-                        <a:srgbClr val="000000"/>
-                      </a:solidFill>
-                      <a:prstDash val="solid"/>
-                      <a:round/>
-                      <a:headEnd type="none" w="med" len="med"/>
-                      <a:tailEnd type="none" w="med" len="med"/>
-                    </a:lnR>
-                    <a:lnT w="9525" cap="flat" cmpd="sng" algn="ctr">
-                      <a:solidFill>
-                        <a:srgbClr val="000000"/>
-                      </a:solidFill>
-                      <a:prstDash val="solid"/>
-                      <a:round/>
-                      <a:headEnd type="none" w="med" len="med"/>
-                      <a:tailEnd type="none" w="med" len="med"/>
-                    </a:lnT>
-                    <a:lnB w="9525" cap="flat" cmpd="sng" algn="ctr">
-                      <a:solidFill>
-                        <a:srgbClr val="000000"/>
-                      </a:solidFill>
-                      <a:prstDash val="solid"/>
-                      <a:round/>
-                      <a:headEnd type="none" w="med" len="med"/>
-                      <a:tailEnd type="none" w="med" len="med"/>
-                    </a:lnB>
-                  </a:tcPr>
-                </a:tc>
-                <a:tc>
-                  <a:txBody>
-                    <a:bodyPr/>
-                    <a:lstStyle/>
-                    <a:p>
-                      <a:r>
-                        <a:rPr lang="en-US" sz="1100" dirty="0">
-                          <a:solidFill>
-                            <a:srgbClr val="000000"/>
-                          </a:solidFill>
-                          <a:effectLst/>
-                          <a:latin typeface="Helvetica Neue" panose="02000503000000020004" pitchFamily="2" charset="0"/>
-                        </a:rPr>
-                        <a:t> buy the vehicle</a:t>
-                      </a:r>
-                      <a:endParaRPr lang="en-US" sz="1100" dirty="0">
-                        <a:effectLst/>
-                      </a:endParaRPr>
-                    </a:p>
-                  </a:txBody>
-                  <a:tcPr marL="8189" marR="8189" marT="8189" marB="8189">
-                    <a:lnL w="9525" cap="flat" cmpd="sng" algn="ctr">
-                      <a:solidFill>
-                        <a:srgbClr val="000000"/>
-                      </a:solidFill>
-                      <a:prstDash val="solid"/>
-                      <a:round/>
-                      <a:headEnd type="none" w="med" len="med"/>
-                      <a:tailEnd type="none" w="med" len="med"/>
-                    </a:lnL>
-                    <a:lnR w="9525" cap="flat" cmpd="sng" algn="ctr">
-                      <a:solidFill>
-                        <a:srgbClr val="000000"/>
-                      </a:solidFill>
-                      <a:prstDash val="solid"/>
-                      <a:round/>
-                      <a:headEnd type="none" w="med" len="med"/>
-                      <a:tailEnd type="none" w="med" len="med"/>
-                    </a:lnR>
-                    <a:lnT w="9525" cap="flat" cmpd="sng" algn="ctr">
-                      <a:solidFill>
-                        <a:srgbClr val="000000"/>
-                      </a:solidFill>
-                      <a:prstDash val="solid"/>
-                      <a:round/>
-                      <a:headEnd type="none" w="med" len="med"/>
-                      <a:tailEnd type="none" w="med" len="med"/>
-                    </a:lnT>
-                    <a:lnB w="9525" cap="flat" cmpd="sng" algn="ctr">
-                      <a:solidFill>
-                        <a:srgbClr val="000000"/>
-                      </a:solidFill>
-                      <a:prstDash val="solid"/>
-                      <a:round/>
-                      <a:headEnd type="none" w="med" len="med"/>
-                      <a:tailEnd type="none" w="med" len="med"/>
-                    </a:lnB>
-                  </a:tcPr>
-                </a:tc>
-                <a:extLst>
-                  <a:ext uri="{0D108BD9-81ED-4DB2-BD59-A6C34878D82A}">
-                    <a16:rowId xmlns:a16="http://schemas.microsoft.com/office/drawing/2014/main" val="1154740186"/>
-                  </a:ext>
-                </a:extLst>
-              </a:tr>
-              <a:tr h="279500">
-                <a:tc>
-                  <a:txBody>
-                    <a:bodyPr/>
-                    <a:lstStyle/>
-                    <a:p>
-                      <a:r>
-                        <a:rPr lang="en-US" sz="1100" b="1">
-                          <a:solidFill>
-                            <a:srgbClr val="000000"/>
-                          </a:solidFill>
-                          <a:effectLst/>
-                          <a:latin typeface="Helvetica Neue" panose="02000503000000020004" pitchFamily="2" charset="0"/>
-                        </a:rPr>
-                        <a:t>Manufacture of assemble IED </a:t>
-                      </a:r>
-                      <a:endParaRPr lang="en-US" sz="1100" b="1">
-                        <a:effectLst/>
-                      </a:endParaRPr>
-                    </a:p>
-                  </a:txBody>
-                  <a:tcPr marL="8189" marR="8189" marT="8189" marB="8189">
-                    <a:lnL w="9525" cap="flat" cmpd="sng" algn="ctr">
-                      <a:solidFill>
-                        <a:srgbClr val="000000"/>
-                      </a:solidFill>
-                      <a:prstDash val="solid"/>
-                      <a:round/>
-                      <a:headEnd type="none" w="med" len="med"/>
-                      <a:tailEnd type="none" w="med" len="med"/>
-                    </a:lnL>
-                    <a:lnR w="9525" cap="flat" cmpd="sng" algn="ctr">
-                      <a:solidFill>
-                        <a:srgbClr val="000000"/>
-                      </a:solidFill>
-                      <a:prstDash val="solid"/>
-                      <a:round/>
-                      <a:headEnd type="none" w="med" len="med"/>
-                      <a:tailEnd type="none" w="med" len="med"/>
-                    </a:lnR>
-                    <a:lnT w="9525" cap="flat" cmpd="sng" algn="ctr">
-                      <a:solidFill>
-                        <a:srgbClr val="000000"/>
-                      </a:solidFill>
-                      <a:prstDash val="solid"/>
-                      <a:round/>
-                      <a:headEnd type="none" w="med" len="med"/>
-                      <a:tailEnd type="none" w="med" len="med"/>
-                    </a:lnT>
-                    <a:lnB w="9525" cap="flat" cmpd="sng" algn="ctr">
-                      <a:solidFill>
-                        <a:srgbClr val="000000"/>
-                      </a:solidFill>
-                      <a:prstDash val="solid"/>
-                      <a:round/>
-                      <a:headEnd type="none" w="med" len="med"/>
-                      <a:tailEnd type="none" w="med" len="med"/>
-                    </a:lnB>
-                  </a:tcPr>
-                </a:tc>
-                <a:tc>
-                  <a:txBody>
-                    <a:bodyPr/>
-                    <a:lstStyle/>
-                    <a:p>
-                      <a:r>
-                        <a:rPr lang="en-US" sz="1100" dirty="0">
-                          <a:solidFill>
-                            <a:srgbClr val="000000"/>
-                          </a:solidFill>
-                          <a:effectLst/>
-                          <a:latin typeface="Helvetica Neue" panose="02000503000000020004" pitchFamily="2" charset="0"/>
-                        </a:rPr>
-                        <a:t>Q187939</a:t>
-                      </a:r>
-                      <a:endParaRPr lang="en-US" sz="1100" dirty="0">
-                        <a:effectLst/>
-                      </a:endParaRPr>
-                    </a:p>
-                  </a:txBody>
-                  <a:tcPr marL="8189" marR="8189" marT="8189" marB="8189">
-                    <a:lnL w="9525" cap="flat" cmpd="sng" algn="ctr">
-                      <a:solidFill>
-                        <a:srgbClr val="000000"/>
-                      </a:solidFill>
-                      <a:prstDash val="solid"/>
-                      <a:round/>
-                      <a:headEnd type="none" w="med" len="med"/>
-                      <a:tailEnd type="none" w="med" len="med"/>
-                    </a:lnL>
-                    <a:lnR w="9525" cap="flat" cmpd="sng" algn="ctr">
-                      <a:solidFill>
-                        <a:srgbClr val="000000"/>
-                      </a:solidFill>
-                      <a:prstDash val="solid"/>
-                      <a:round/>
-                      <a:headEnd type="none" w="med" len="med"/>
-                      <a:tailEnd type="none" w="med" len="med"/>
-                    </a:lnR>
-                    <a:lnT w="9525" cap="flat" cmpd="sng" algn="ctr">
-                      <a:solidFill>
-                        <a:srgbClr val="000000"/>
-                      </a:solidFill>
-                      <a:prstDash val="solid"/>
-                      <a:round/>
-                      <a:headEnd type="none" w="med" len="med"/>
-                      <a:tailEnd type="none" w="med" len="med"/>
-                    </a:lnT>
-                    <a:lnB w="9525" cap="flat" cmpd="sng" algn="ctr">
-                      <a:solidFill>
-                        <a:srgbClr val="000000"/>
-                      </a:solidFill>
-                      <a:prstDash val="solid"/>
-                      <a:round/>
-                      <a:headEnd type="none" w="med" len="med"/>
-                      <a:tailEnd type="none" w="med" len="med"/>
-                    </a:lnB>
-                  </a:tcPr>
-                </a:tc>
-                <a:tc>
-                  <a:txBody>
-                    <a:bodyPr/>
-                    <a:lstStyle/>
-                    <a:p>
-                      <a:r>
-                        <a:rPr lang="en-US" sz="1100" dirty="0">
-                          <a:solidFill>
-                            <a:srgbClr val="000000"/>
-                          </a:solidFill>
-                          <a:effectLst/>
-                          <a:latin typeface="Helvetica Neue" panose="02000503000000020004" pitchFamily="2" charset="0"/>
-                        </a:rPr>
-                        <a:t> manufacturing the bomb</a:t>
-                      </a:r>
-                      <a:endParaRPr lang="en-US" sz="1100" dirty="0">
-                        <a:effectLst/>
-                      </a:endParaRPr>
-                    </a:p>
-                  </a:txBody>
-                  <a:tcPr marL="8189" marR="8189" marT="8189" marB="8189">
-                    <a:lnL w="9525" cap="flat" cmpd="sng" algn="ctr">
-                      <a:solidFill>
-                        <a:srgbClr val="000000"/>
-                      </a:solidFill>
-                      <a:prstDash val="solid"/>
-                      <a:round/>
-                      <a:headEnd type="none" w="med" len="med"/>
-                      <a:tailEnd type="none" w="med" len="med"/>
-                    </a:lnL>
-                    <a:lnR w="9525" cap="flat" cmpd="sng" algn="ctr">
-                      <a:solidFill>
-                        <a:srgbClr val="000000"/>
-                      </a:solidFill>
-                      <a:prstDash val="solid"/>
-                      <a:round/>
-                      <a:headEnd type="none" w="med" len="med"/>
-                      <a:tailEnd type="none" w="med" len="med"/>
-                    </a:lnR>
-                    <a:lnT w="9525" cap="flat" cmpd="sng" algn="ctr">
-                      <a:solidFill>
-                        <a:srgbClr val="000000"/>
-                      </a:solidFill>
-                      <a:prstDash val="solid"/>
-                      <a:round/>
-                      <a:headEnd type="none" w="med" len="med"/>
-                      <a:tailEnd type="none" w="med" len="med"/>
-                    </a:lnT>
-                    <a:lnB w="9525" cap="flat" cmpd="sng" algn="ctr">
-                      <a:solidFill>
-                        <a:srgbClr val="000000"/>
-                      </a:solidFill>
-                      <a:prstDash val="solid"/>
-                      <a:round/>
-                      <a:headEnd type="none" w="med" len="med"/>
-                      <a:tailEnd type="none" w="med" len="med"/>
-                    </a:lnB>
-                  </a:tcPr>
-                </a:tc>
-                <a:extLst>
-                  <a:ext uri="{0D108BD9-81ED-4DB2-BD59-A6C34878D82A}">
-                    <a16:rowId xmlns:a16="http://schemas.microsoft.com/office/drawing/2014/main" val="444348334"/>
-                  </a:ext>
-                </a:extLst>
-              </a:tr>
-              <a:tr h="231544">
-                <a:tc>
-                  <a:txBody>
-                    <a:bodyPr/>
-                    <a:lstStyle/>
-                    <a:p>
-                      <a:r>
-                        <a:rPr lang="en-US" sz="1100" b="1" dirty="0">
-                          <a:solidFill>
-                            <a:srgbClr val="000000"/>
-                          </a:solidFill>
-                          <a:effectLst/>
-                          <a:latin typeface="Helvetica Neue" panose="02000503000000020004" pitchFamily="2" charset="0"/>
-                        </a:rPr>
-                        <a:t>Move IED </a:t>
-                      </a:r>
-                      <a:endParaRPr lang="en-US" sz="1100" b="1" dirty="0">
-                        <a:effectLst/>
-                      </a:endParaRPr>
-                    </a:p>
-                  </a:txBody>
-                  <a:tcPr marL="8189" marR="8189" marT="8189" marB="8189">
-                    <a:lnL w="9525" cap="flat" cmpd="sng" algn="ctr">
-                      <a:solidFill>
-                        <a:srgbClr val="000000"/>
-                      </a:solidFill>
-                      <a:prstDash val="solid"/>
-                      <a:round/>
-                      <a:headEnd type="none" w="med" len="med"/>
-                      <a:tailEnd type="none" w="med" len="med"/>
-                    </a:lnL>
-                    <a:lnR w="9525" cap="flat" cmpd="sng" algn="ctr">
-                      <a:solidFill>
-                        <a:srgbClr val="000000"/>
-                      </a:solidFill>
-                      <a:prstDash val="solid"/>
-                      <a:round/>
-                      <a:headEnd type="none" w="med" len="med"/>
-                      <a:tailEnd type="none" w="med" len="med"/>
-                    </a:lnR>
-                    <a:lnT w="9525" cap="flat" cmpd="sng" algn="ctr">
-                      <a:solidFill>
-                        <a:srgbClr val="000000"/>
-                      </a:solidFill>
-                      <a:prstDash val="solid"/>
-                      <a:round/>
-                      <a:headEnd type="none" w="med" len="med"/>
-                      <a:tailEnd type="none" w="med" len="med"/>
-                    </a:lnT>
-                    <a:lnB w="9525" cap="flat" cmpd="sng" algn="ctr">
-                      <a:solidFill>
-                        <a:srgbClr val="000000"/>
-                      </a:solidFill>
-                      <a:prstDash val="solid"/>
-                      <a:round/>
-                      <a:headEnd type="none" w="med" len="med"/>
-                      <a:tailEnd type="none" w="med" len="med"/>
-                    </a:lnB>
-                  </a:tcPr>
-                </a:tc>
-                <a:tc>
-                  <a:txBody>
-                    <a:bodyPr/>
-                    <a:lstStyle/>
-                    <a:p>
-                      <a:r>
-                        <a:rPr lang="en-US" sz="1100" dirty="0">
-                          <a:solidFill>
-                            <a:srgbClr val="000000"/>
-                          </a:solidFill>
-                          <a:effectLst/>
-                          <a:latin typeface="Helvetica Neue" panose="02000503000000020004" pitchFamily="2" charset="0"/>
-                        </a:rPr>
-                        <a:t>Q7590</a:t>
-                      </a:r>
-                      <a:endParaRPr lang="en-US" sz="1100" dirty="0">
-                        <a:effectLst/>
-                      </a:endParaRPr>
-                    </a:p>
-                  </a:txBody>
-                  <a:tcPr marL="8189" marR="8189" marT="8189" marB="8189">
-                    <a:lnL w="9525" cap="flat" cmpd="sng" algn="ctr">
-                      <a:solidFill>
-                        <a:srgbClr val="000000"/>
-                      </a:solidFill>
-                      <a:prstDash val="solid"/>
-                      <a:round/>
-                      <a:headEnd type="none" w="med" len="med"/>
-                      <a:tailEnd type="none" w="med" len="med"/>
-                    </a:lnL>
-                    <a:lnR w="9525" cap="flat" cmpd="sng" algn="ctr">
-                      <a:solidFill>
-                        <a:srgbClr val="000000"/>
-                      </a:solidFill>
-                      <a:prstDash val="solid"/>
-                      <a:round/>
-                      <a:headEnd type="none" w="med" len="med"/>
-                      <a:tailEnd type="none" w="med" len="med"/>
-                    </a:lnR>
-                    <a:lnT w="9525" cap="flat" cmpd="sng" algn="ctr">
-                      <a:solidFill>
-                        <a:srgbClr val="000000"/>
-                      </a:solidFill>
-                      <a:prstDash val="solid"/>
-                      <a:round/>
-                      <a:headEnd type="none" w="med" len="med"/>
-                      <a:tailEnd type="none" w="med" len="med"/>
-                    </a:lnT>
-                    <a:lnB w="9525" cap="flat" cmpd="sng" algn="ctr">
-                      <a:solidFill>
-                        <a:srgbClr val="000000"/>
-                      </a:solidFill>
-                      <a:prstDash val="solid"/>
-                      <a:round/>
-                      <a:headEnd type="none" w="med" len="med"/>
-                      <a:tailEnd type="none" w="med" len="med"/>
-                    </a:lnB>
-                  </a:tcPr>
-                </a:tc>
-                <a:tc>
-                  <a:txBody>
-                    <a:bodyPr/>
-                    <a:lstStyle/>
-                    <a:p>
-                      <a:r>
-                        <a:rPr lang="en-US" sz="1100" dirty="0">
-                          <a:solidFill>
-                            <a:srgbClr val="000000"/>
-                          </a:solidFill>
-                          <a:effectLst/>
-                          <a:latin typeface="Helvetica Neue" panose="02000503000000020004" pitchFamily="2" charset="0"/>
-                        </a:rPr>
-                        <a:t> transport the bomb to some place</a:t>
-                      </a:r>
-                      <a:endParaRPr lang="en-US" sz="1100" dirty="0">
-                        <a:effectLst/>
-                      </a:endParaRPr>
-                    </a:p>
-                  </a:txBody>
-                  <a:tcPr marL="8189" marR="8189" marT="8189" marB="8189">
-                    <a:lnL w="9525" cap="flat" cmpd="sng" algn="ctr">
-                      <a:solidFill>
-                        <a:srgbClr val="000000"/>
-                      </a:solidFill>
-                      <a:prstDash val="solid"/>
-                      <a:round/>
-                      <a:headEnd type="none" w="med" len="med"/>
-                      <a:tailEnd type="none" w="med" len="med"/>
-                    </a:lnL>
-                    <a:lnR w="9525" cap="flat" cmpd="sng" algn="ctr">
-                      <a:solidFill>
-                        <a:srgbClr val="000000"/>
-                      </a:solidFill>
-                      <a:prstDash val="solid"/>
-                      <a:round/>
-                      <a:headEnd type="none" w="med" len="med"/>
-                      <a:tailEnd type="none" w="med" len="med"/>
-                    </a:lnR>
-                    <a:lnT w="9525" cap="flat" cmpd="sng" algn="ctr">
-                      <a:solidFill>
-                        <a:srgbClr val="000000"/>
-                      </a:solidFill>
-                      <a:prstDash val="solid"/>
-                      <a:round/>
-                      <a:headEnd type="none" w="med" len="med"/>
-                      <a:tailEnd type="none" w="med" len="med"/>
-                    </a:lnT>
-                    <a:lnB w="9525" cap="flat" cmpd="sng" algn="ctr">
-                      <a:solidFill>
-                        <a:srgbClr val="000000"/>
-                      </a:solidFill>
-                      <a:prstDash val="solid"/>
-                      <a:round/>
-                      <a:headEnd type="none" w="med" len="med"/>
-                      <a:tailEnd type="none" w="med" len="med"/>
-                    </a:lnB>
-                  </a:tcPr>
-                </a:tc>
-                <a:extLst>
-                  <a:ext uri="{0D108BD9-81ED-4DB2-BD59-A6C34878D82A}">
-                    <a16:rowId xmlns:a16="http://schemas.microsoft.com/office/drawing/2014/main" val="2568457529"/>
-                  </a:ext>
-                </a:extLst>
-              </a:tr>
-              <a:tr h="279500">
-                <a:tc>
-                  <a:txBody>
-                    <a:bodyPr/>
-                    <a:lstStyle/>
-                    <a:p>
-                      <a:r>
-                        <a:rPr lang="en-US" sz="1100" b="1" dirty="0">
-                          <a:solidFill>
-                            <a:srgbClr val="000000"/>
-                          </a:solidFill>
-                          <a:effectLst/>
-                          <a:latin typeface="Helvetica Neue" panose="02000503000000020004" pitchFamily="2" charset="0"/>
-                        </a:rPr>
-                        <a:t>Move car to assembly location </a:t>
-                      </a:r>
-                      <a:endParaRPr lang="en-US" sz="1100" b="1" dirty="0">
-                        <a:effectLst/>
-                      </a:endParaRPr>
-                    </a:p>
-                  </a:txBody>
-                  <a:tcPr marL="8189" marR="8189" marT="8189" marB="8189">
-                    <a:lnL w="9525" cap="flat" cmpd="sng" algn="ctr">
-                      <a:solidFill>
-                        <a:srgbClr val="000000"/>
-                      </a:solidFill>
-                      <a:prstDash val="solid"/>
-                      <a:round/>
-                      <a:headEnd type="none" w="med" len="med"/>
-                      <a:tailEnd type="none" w="med" len="med"/>
-                    </a:lnL>
-                    <a:lnR w="9525" cap="flat" cmpd="sng" algn="ctr">
-                      <a:solidFill>
-                        <a:srgbClr val="000000"/>
-                      </a:solidFill>
-                      <a:prstDash val="solid"/>
-                      <a:round/>
-                      <a:headEnd type="none" w="med" len="med"/>
-                      <a:tailEnd type="none" w="med" len="med"/>
-                    </a:lnR>
-                    <a:lnT w="9525" cap="flat" cmpd="sng" algn="ctr">
-                      <a:solidFill>
-                        <a:srgbClr val="000000"/>
-                      </a:solidFill>
-                      <a:prstDash val="solid"/>
-                      <a:round/>
-                      <a:headEnd type="none" w="med" len="med"/>
-                      <a:tailEnd type="none" w="med" len="med"/>
-                    </a:lnT>
-                    <a:lnB w="9525" cap="flat" cmpd="sng" algn="ctr">
-                      <a:solidFill>
-                        <a:srgbClr val="000000"/>
-                      </a:solidFill>
-                      <a:prstDash val="solid"/>
-                      <a:round/>
-                      <a:headEnd type="none" w="med" len="med"/>
-                      <a:tailEnd type="none" w="med" len="med"/>
-                    </a:lnB>
-                  </a:tcPr>
-                </a:tc>
-                <a:tc>
-                  <a:txBody>
-                    <a:bodyPr/>
-                    <a:lstStyle/>
-                    <a:p>
-                      <a:r>
-                        <a:rPr lang="en-US" sz="1100">
-                          <a:solidFill>
-                            <a:srgbClr val="000000"/>
-                          </a:solidFill>
-                          <a:effectLst/>
-                          <a:latin typeface="Helvetica Neue" panose="02000503000000020004" pitchFamily="2" charset="0"/>
-                        </a:rPr>
-                        <a:t>Q7590</a:t>
-                      </a:r>
-                      <a:endParaRPr lang="en-US" sz="1100">
-                        <a:effectLst/>
-                      </a:endParaRPr>
-                    </a:p>
-                  </a:txBody>
-                  <a:tcPr marL="8189" marR="8189" marT="8189" marB="8189">
-                    <a:lnL w="9525" cap="flat" cmpd="sng" algn="ctr">
-                      <a:solidFill>
-                        <a:srgbClr val="000000"/>
-                      </a:solidFill>
-                      <a:prstDash val="solid"/>
-                      <a:round/>
-                      <a:headEnd type="none" w="med" len="med"/>
-                      <a:tailEnd type="none" w="med" len="med"/>
-                    </a:lnL>
-                    <a:lnR w="9525" cap="flat" cmpd="sng" algn="ctr">
-                      <a:solidFill>
-                        <a:srgbClr val="000000"/>
-                      </a:solidFill>
-                      <a:prstDash val="solid"/>
-                      <a:round/>
-                      <a:headEnd type="none" w="med" len="med"/>
-                      <a:tailEnd type="none" w="med" len="med"/>
-                    </a:lnR>
-                    <a:lnT w="9525" cap="flat" cmpd="sng" algn="ctr">
-                      <a:solidFill>
-                        <a:srgbClr val="000000"/>
-                      </a:solidFill>
-                      <a:prstDash val="solid"/>
-                      <a:round/>
-                      <a:headEnd type="none" w="med" len="med"/>
-                      <a:tailEnd type="none" w="med" len="med"/>
-                    </a:lnT>
-                    <a:lnB w="9525" cap="flat" cmpd="sng" algn="ctr">
-                      <a:solidFill>
-                        <a:srgbClr val="000000"/>
-                      </a:solidFill>
-                      <a:prstDash val="solid"/>
-                      <a:round/>
-                      <a:headEnd type="none" w="med" len="med"/>
-                      <a:tailEnd type="none" w="med" len="med"/>
-                    </a:lnB>
-                  </a:tcPr>
-                </a:tc>
-                <a:tc>
-                  <a:txBody>
-                    <a:bodyPr/>
-                    <a:lstStyle/>
-                    <a:p>
-                      <a:r>
-                        <a:rPr lang="en-US" sz="1100" dirty="0">
-                          <a:solidFill>
-                            <a:srgbClr val="000000"/>
-                          </a:solidFill>
-                          <a:effectLst/>
-                          <a:latin typeface="Helvetica Neue" panose="02000503000000020004" pitchFamily="2" charset="0"/>
-                        </a:rPr>
-                        <a:t> transport the vehicle to some place</a:t>
-                      </a:r>
-                      <a:endParaRPr lang="en-US" sz="1100" dirty="0">
-                        <a:effectLst/>
-                      </a:endParaRPr>
-                    </a:p>
-                  </a:txBody>
-                  <a:tcPr marL="8189" marR="8189" marT="8189" marB="8189">
-                    <a:lnL w="9525" cap="flat" cmpd="sng" algn="ctr">
-                      <a:solidFill>
-                        <a:srgbClr val="000000"/>
-                      </a:solidFill>
-                      <a:prstDash val="solid"/>
-                      <a:round/>
-                      <a:headEnd type="none" w="med" len="med"/>
-                      <a:tailEnd type="none" w="med" len="med"/>
-                    </a:lnL>
-                    <a:lnR w="9525" cap="flat" cmpd="sng" algn="ctr">
-                      <a:solidFill>
-                        <a:srgbClr val="000000"/>
-                      </a:solidFill>
-                      <a:prstDash val="solid"/>
-                      <a:round/>
-                      <a:headEnd type="none" w="med" len="med"/>
-                      <a:tailEnd type="none" w="med" len="med"/>
-                    </a:lnR>
-                    <a:lnT w="9525" cap="flat" cmpd="sng" algn="ctr">
-                      <a:solidFill>
-                        <a:srgbClr val="000000"/>
-                      </a:solidFill>
-                      <a:prstDash val="solid"/>
-                      <a:round/>
-                      <a:headEnd type="none" w="med" len="med"/>
-                      <a:tailEnd type="none" w="med" len="med"/>
-                    </a:lnT>
-                    <a:lnB w="9525" cap="flat" cmpd="sng" algn="ctr">
-                      <a:solidFill>
-                        <a:srgbClr val="000000"/>
-                      </a:solidFill>
-                      <a:prstDash val="solid"/>
-                      <a:round/>
-                      <a:headEnd type="none" w="med" len="med"/>
-                      <a:tailEnd type="none" w="med" len="med"/>
-                    </a:lnB>
-                  </a:tcPr>
-                </a:tc>
-                <a:extLst>
-                  <a:ext uri="{0D108BD9-81ED-4DB2-BD59-A6C34878D82A}">
-                    <a16:rowId xmlns:a16="http://schemas.microsoft.com/office/drawing/2014/main" val="2582085783"/>
-                  </a:ext>
-                </a:extLst>
-              </a:tr>
-            </a:tbl>
-          </a:graphicData>
-        </a:graphic>
-      </p:graphicFrame>
     </p:spTree>
     <p:extLst>
       <p:ext uri="{BB962C8B-B14F-4D97-AF65-F5344CB8AC3E}">
-        <p14:creationId xmlns:p14="http://schemas.microsoft.com/office/powerpoint/2010/main" val="1993398976"/>
+        <p14:creationId xmlns:p14="http://schemas.microsoft.com/office/powerpoint/2010/main" val="460133130"/>
       </p:ext>
     </p:extLst>
   </p:cSld>
